--- a/presentation/shady.pptx
+++ b/presentation/shady.pptx
@@ -278,7 +278,7 @@
           <a:p>
             <a:fld id="{DFE82FEE-1807-4174-AFF6-FEFC4FFA0319}" type="datetimeFigureOut">
               <a:rPr lang="en-US" smtClean="0"/>
-              <a:t>6/30/2019</a:t>
+              <a:t>7/5/2019</a:t>
             </a:fld>
             <a:endParaRPr lang="en-US"/>
           </a:p>
@@ -448,7 +448,7 @@
           <a:p>
             <a:fld id="{DFE82FEE-1807-4174-AFF6-FEFC4FFA0319}" type="datetimeFigureOut">
               <a:rPr lang="en-US" smtClean="0"/>
-              <a:t>6/30/2019</a:t>
+              <a:t>7/5/2019</a:t>
             </a:fld>
             <a:endParaRPr lang="en-US"/>
           </a:p>
@@ -628,7 +628,7 @@
           <a:p>
             <a:fld id="{DFE82FEE-1807-4174-AFF6-FEFC4FFA0319}" type="datetimeFigureOut">
               <a:rPr lang="en-US" smtClean="0"/>
-              <a:t>6/30/2019</a:t>
+              <a:t>7/5/2019</a:t>
             </a:fld>
             <a:endParaRPr lang="en-US"/>
           </a:p>
@@ -798,7 +798,7 @@
           <a:p>
             <a:fld id="{DFE82FEE-1807-4174-AFF6-FEFC4FFA0319}" type="datetimeFigureOut">
               <a:rPr lang="en-US" smtClean="0"/>
-              <a:t>6/30/2019</a:t>
+              <a:t>7/5/2019</a:t>
             </a:fld>
             <a:endParaRPr lang="en-US"/>
           </a:p>
@@ -1044,7 +1044,7 @@
           <a:p>
             <a:fld id="{DFE82FEE-1807-4174-AFF6-FEFC4FFA0319}" type="datetimeFigureOut">
               <a:rPr lang="en-US" smtClean="0"/>
-              <a:t>6/30/2019</a:t>
+              <a:t>7/5/2019</a:t>
             </a:fld>
             <a:endParaRPr lang="en-US"/>
           </a:p>
@@ -1276,7 +1276,7 @@
           <a:p>
             <a:fld id="{DFE82FEE-1807-4174-AFF6-FEFC4FFA0319}" type="datetimeFigureOut">
               <a:rPr lang="en-US" smtClean="0"/>
-              <a:t>6/30/2019</a:t>
+              <a:t>7/5/2019</a:t>
             </a:fld>
             <a:endParaRPr lang="en-US"/>
           </a:p>
@@ -1643,7 +1643,7 @@
           <a:p>
             <a:fld id="{DFE82FEE-1807-4174-AFF6-FEFC4FFA0319}" type="datetimeFigureOut">
               <a:rPr lang="en-US" smtClean="0"/>
-              <a:t>6/30/2019</a:t>
+              <a:t>7/5/2019</a:t>
             </a:fld>
             <a:endParaRPr lang="en-US"/>
           </a:p>
@@ -1761,7 +1761,7 @@
           <a:p>
             <a:fld id="{DFE82FEE-1807-4174-AFF6-FEFC4FFA0319}" type="datetimeFigureOut">
               <a:rPr lang="en-US" smtClean="0"/>
-              <a:t>6/30/2019</a:t>
+              <a:t>7/5/2019</a:t>
             </a:fld>
             <a:endParaRPr lang="en-US"/>
           </a:p>
@@ -1856,7 +1856,7 @@
           <a:p>
             <a:fld id="{DFE82FEE-1807-4174-AFF6-FEFC4FFA0319}" type="datetimeFigureOut">
               <a:rPr lang="en-US" smtClean="0"/>
-              <a:t>6/30/2019</a:t>
+              <a:t>7/5/2019</a:t>
             </a:fld>
             <a:endParaRPr lang="en-US"/>
           </a:p>
@@ -2133,7 +2133,7 @@
           <a:p>
             <a:fld id="{DFE82FEE-1807-4174-AFF6-FEFC4FFA0319}" type="datetimeFigureOut">
               <a:rPr lang="en-US" smtClean="0"/>
-              <a:t>6/30/2019</a:t>
+              <a:t>7/5/2019</a:t>
             </a:fld>
             <a:endParaRPr lang="en-US"/>
           </a:p>
@@ -2386,7 +2386,7 @@
           <a:p>
             <a:fld id="{DFE82FEE-1807-4174-AFF6-FEFC4FFA0319}" type="datetimeFigureOut">
               <a:rPr lang="en-US" smtClean="0"/>
-              <a:t>6/30/2019</a:t>
+              <a:t>7/5/2019</a:t>
             </a:fld>
             <a:endParaRPr lang="en-US"/>
           </a:p>
@@ -2599,7 +2599,7 @@
           <a:p>
             <a:fld id="{DFE82FEE-1807-4174-AFF6-FEFC4FFA0319}" type="datetimeFigureOut">
               <a:rPr lang="en-US" smtClean="0"/>
-              <a:t>6/30/2019</a:t>
+              <a:t>7/5/2019</a:t>
             </a:fld>
             <a:endParaRPr lang="en-US"/>
           </a:p>
@@ -3166,6 +3166,13 @@
   <p:clrMapOvr>
     <a:masterClrMapping/>
   </p:clrMapOvr>
+  <p:timing>
+    <p:tnLst>
+      <p:par>
+        <p:cTn id="1" dur="indefinite" restart="never" nodeType="tmRoot"/>
+      </p:par>
+    </p:tnLst>
+  </p:timing>
 </p:sld>
 </file>
 
@@ -3306,6 +3313,13 @@
   <p:clrMapOvr>
     <a:masterClrMapping/>
   </p:clrMapOvr>
+  <p:timing>
+    <p:tnLst>
+      <p:par>
+        <p:cTn id="1" dur="indefinite" restart="never" nodeType="tmRoot"/>
+      </p:par>
+    </p:tnLst>
+  </p:timing>
 </p:sld>
 </file>
 
@@ -3560,6 +3574,13 @@
   <p:clrMapOvr>
     <a:masterClrMapping/>
   </p:clrMapOvr>
+  <p:timing>
+    <p:tnLst>
+      <p:par>
+        <p:cTn id="1" dur="indefinite" restart="never" nodeType="tmRoot"/>
+      </p:par>
+    </p:tnLst>
+  </p:timing>
 </p:sld>
 </file>
 
@@ -3612,11 +3633,49 @@
           </a:p>
         </p:txBody>
       </p:sp>
+      <p:sp>
+        <p:nvSpPr>
+          <p:cNvPr id="5" name="TextBox 4"/>
+          <p:cNvSpPr txBox="1"/>
+          <p:nvPr/>
+        </p:nvSpPr>
+        <p:spPr>
+          <a:xfrm>
+            <a:off x="272954" y="900754"/>
+            <a:ext cx="11095858" cy="461665"/>
+          </a:xfrm>
+          <a:prstGeom prst="rect">
+            <a:avLst/>
+          </a:prstGeom>
+          <a:noFill/>
+        </p:spPr>
+        <p:txBody>
+          <a:bodyPr wrap="none" rtlCol="0">
+            <a:spAutoFit/>
+          </a:bodyPr>
+          <a:lstStyle/>
+          <a:p>
+            <a:r>
+              <a:rPr lang="en-US" sz="2400" b="1" u="sng" dirty="0" smtClean="0">
+                <a:solidFill>
+                  <a:srgbClr val="FF0000"/>
+                </a:solidFill>
+              </a:rPr>
+              <a:t>(Roll = 5deg / Pitch=-5deg / Yaw = 0deg / altitude = 4m) step response &amp; control action</a:t>
+            </a:r>
+            <a:endParaRPr lang="en-US" sz="2400" b="1" u="sng" dirty="0">
+              <a:solidFill>
+                <a:srgbClr val="FF0000"/>
+              </a:solidFill>
+            </a:endParaRPr>
+          </a:p>
+        </p:txBody>
+      </p:sp>
       <p:pic>
         <p:nvPicPr>
-          <p:cNvPr id="4" name="Picture 3"/>
+          <p:cNvPr id="4098" name="Picture 2" descr="C:\Users\moon\Desktop\final_doc\graduation-project\documentation\final documentation\pics\att_alt_coup_A4R-5P-Y0.bmp"/>
           <p:cNvPicPr>
-            <a:picLocks noChangeAspect="1"/>
+            <a:picLocks noChangeAspect="1" noChangeArrowheads="1"/>
           </p:cNvPicPr>
           <p:nvPr/>
         </p:nvPicPr>
@@ -3628,57 +3687,29 @@
               </a:ext>
             </a:extLst>
           </a:blip>
-          <a:srcRect l="9028" r="7118"/>
+          <a:srcRect l="8196" t="2386" r="4500" b="1867"/>
           <a:stretch/>
         </p:blipFill>
-        <p:spPr>
-          <a:xfrm>
-            <a:off x="136478" y="1009934"/>
-            <a:ext cx="12055522" cy="6188567"/>
-          </a:xfrm>
-          <a:prstGeom prst="rect">
-            <a:avLst/>
-          </a:prstGeom>
+        <p:spPr bwMode="auto">
+          <a:xfrm>
+            <a:off x="656823" y="1362418"/>
+            <a:ext cx="11359166" cy="5495581"/>
+          </a:xfrm>
+          <a:prstGeom prst="rect">
+            <a:avLst/>
+          </a:prstGeom>
+          <a:noFill/>
+          <a:extLst>
+            <a:ext uri="{909E8E84-426E-40DD-AFC4-6F175D3DCCD1}">
+              <a14:hiddenFill xmlns:a14="http://schemas.microsoft.com/office/drawing/2010/main">
+                <a:solidFill>
+                  <a:srgbClr val="FFFFFF"/>
+                </a:solidFill>
+              </a14:hiddenFill>
+            </a:ext>
+          </a:extLst>
         </p:spPr>
       </p:pic>
-      <p:sp>
-        <p:nvSpPr>
-          <p:cNvPr id="5" name="TextBox 4"/>
-          <p:cNvSpPr txBox="1"/>
-          <p:nvPr/>
-        </p:nvSpPr>
-        <p:spPr>
-          <a:xfrm>
-            <a:off x="272954" y="900754"/>
-            <a:ext cx="11095858" cy="461665"/>
-          </a:xfrm>
-          <a:prstGeom prst="rect">
-            <a:avLst/>
-          </a:prstGeom>
-          <a:noFill/>
-        </p:spPr>
-        <p:txBody>
-          <a:bodyPr wrap="none" rtlCol="0">
-            <a:spAutoFit/>
-          </a:bodyPr>
-          <a:lstStyle/>
-          <a:p>
-            <a:r>
-              <a:rPr lang="en-US" sz="2400" b="1" u="sng" dirty="0" smtClean="0">
-                <a:solidFill>
-                  <a:srgbClr val="FF0000"/>
-                </a:solidFill>
-              </a:rPr>
-              <a:t>(Roll = 5deg / Pitch=-5deg / Yaw = 0deg / altitude = 4m) step response &amp; control action</a:t>
-            </a:r>
-            <a:endParaRPr lang="en-US" sz="2400" b="1" u="sng" dirty="0">
-              <a:solidFill>
-                <a:srgbClr val="FF0000"/>
-              </a:solidFill>
-            </a:endParaRPr>
-          </a:p>
-        </p:txBody>
-      </p:sp>
     </p:spTree>
     <p:extLst>
       <p:ext uri="{BB962C8B-B14F-4D97-AF65-F5344CB8AC3E}">
@@ -3689,6 +3720,13 @@
   <p:clrMapOvr>
     <a:masterClrMapping/>
   </p:clrMapOvr>
+  <p:timing>
+    <p:tnLst>
+      <p:par>
+        <p:cTn id="1" dur="indefinite" restart="never" nodeType="tmRoot"/>
+      </p:par>
+    </p:tnLst>
+  </p:timing>
 </p:sld>
 </file>
 
@@ -3827,6 +3865,13 @@
   <p:clrMapOvr>
     <a:masterClrMapping/>
   </p:clrMapOvr>
+  <p:timing>
+    <p:tnLst>
+      <p:par>
+        <p:cTn id="1" dur="indefinite" restart="never" nodeType="tmRoot"/>
+      </p:par>
+    </p:tnLst>
+  </p:timing>
 </p:sld>
 </file>
 
@@ -4100,6 +4145,13 @@
   <p:clrMapOvr>
     <a:masterClrMapping/>
   </p:clrMapOvr>
+  <p:timing>
+    <p:tnLst>
+      <p:par>
+        <p:cTn id="1" dur="indefinite" restart="never" nodeType="tmRoot"/>
+      </p:par>
+    </p:tnLst>
+  </p:timing>
 </p:sld>
 </file>
 
@@ -7744,7 +7796,7 @@
       </p:sp>
       <p:pic>
         <p:nvPicPr>
-          <p:cNvPr id="4" name="Content Placeholder 3"/>
+          <p:cNvPr id="5" name="Content Placeholder 4"/>
           <p:cNvPicPr>
             <a:picLocks noGrp="1" noChangeAspect="1"/>
           </p:cNvPicPr>
@@ -7766,8 +7818,8 @@
         </p:blipFill>
         <p:spPr>
           <a:xfrm>
-            <a:off x="681692" y="982639"/>
-            <a:ext cx="10755132" cy="5596676"/>
+            <a:off x="1673716" y="1825625"/>
+            <a:ext cx="8844567" cy="4351338"/>
           </a:xfrm>
         </p:spPr>
       </p:pic>
@@ -7781,6 +7833,13 @@
   <p:clrMapOvr>
     <a:masterClrMapping/>
   </p:clrMapOvr>
+  <p:timing>
+    <p:tnLst>
+      <p:par>
+        <p:cTn id="1" dur="indefinite" restart="never" nodeType="tmRoot"/>
+      </p:par>
+    </p:tnLst>
+  </p:timing>
 </p:sld>
 </file>
 
@@ -7810,7 +7869,7 @@
           <p:nvPr/>
         </p:nvPicPr>
         <p:blipFill rotWithShape="1">
-          <a:blip r:embed="rId3">
+          <a:blip r:embed="rId2">
             <a:extLst>
               <a:ext uri="{28A0092B-C50C-407E-A947-70E740481C1C}">
                 <a14:useLocalDpi xmlns:a14="http://schemas.microsoft.com/office/drawing/2010/main" val="0"/>
@@ -7830,109 +7889,140 @@
           </a:prstGeom>
         </p:spPr>
       </p:pic>
+      <p:sp>
+        <p:nvSpPr>
+          <p:cNvPr id="2" name="Title 1"/>
+          <p:cNvSpPr>
+            <a:spLocks noGrp="1"/>
+          </p:cNvSpPr>
+          <p:nvPr>
+            <p:ph type="title"/>
+          </p:nvPr>
+        </p:nvSpPr>
+        <p:spPr>
+          <a:xfrm>
+            <a:off x="333232" y="160409"/>
+            <a:ext cx="10515600" cy="890469"/>
+          </a:xfrm>
+        </p:spPr>
+        <p:txBody>
+          <a:bodyPr/>
+          <a:lstStyle/>
+          <a:p>
+            <a:r>
+              <a:rPr lang="en-US" b="1" dirty="0" smtClean="0">
+                <a:effectLst/>
+              </a:rPr>
+              <a:t>Attitude controller:</a:t>
+            </a:r>
+            <a:r>
+              <a:rPr lang="en-US" b="1" u="sng" dirty="0" smtClean="0">
+                <a:effectLst/>
+              </a:rPr>
+              <a:t> Roll Controller</a:t>
+            </a:r>
+            <a:endParaRPr lang="en-US" dirty="0"/>
+          </a:p>
+        </p:txBody>
+      </p:sp>
+      <p:sp>
+        <p:nvSpPr>
+          <p:cNvPr id="7" name="TextBox 6"/>
+          <p:cNvSpPr txBox="1"/>
+          <p:nvPr/>
+        </p:nvSpPr>
+        <p:spPr>
+          <a:xfrm>
+            <a:off x="541596" y="1701145"/>
+            <a:ext cx="4840171" cy="461665"/>
+          </a:xfrm>
+          <a:prstGeom prst="rect">
+            <a:avLst/>
+          </a:prstGeom>
+          <a:noFill/>
+        </p:spPr>
+        <p:txBody>
+          <a:bodyPr wrap="none" rtlCol="0">
+            <a:spAutoFit/>
+          </a:bodyPr>
+          <a:lstStyle/>
+          <a:p>
+            <a:r>
+              <a:rPr lang="en-US" sz="2400" b="1" u="sng" dirty="0" smtClean="0">
+                <a:solidFill>
+                  <a:srgbClr val="FF0000"/>
+                </a:solidFill>
+              </a:rPr>
+              <a:t>1 deg step response &amp; control action</a:t>
+            </a:r>
+            <a:endParaRPr lang="en-US" sz="2400" b="1" u="sng" dirty="0">
+              <a:solidFill>
+                <a:srgbClr val="FF0000"/>
+              </a:solidFill>
+            </a:endParaRPr>
+          </a:p>
+        </p:txBody>
+      </p:sp>
+      <p:sp>
+        <p:nvSpPr>
+          <p:cNvPr id="3" name="Content Placeholder 2"/>
+          <p:cNvSpPr>
+            <a:spLocks noGrp="1"/>
+          </p:cNvSpPr>
+          <p:nvPr>
+            <p:ph idx="1"/>
+          </p:nvPr>
+        </p:nvSpPr>
+        <p:spPr/>
+        <p:txBody>
+          <a:bodyPr/>
+          <a:lstStyle/>
+          <a:p>
+            <a:endParaRPr lang="en-US" dirty="0"/>
+          </a:p>
+        </p:txBody>
+      </p:sp>
       <p:pic>
         <p:nvPicPr>
-          <p:cNvPr id="5" name="Content Placeholder 4"/>
+          <p:cNvPr id="1026" name="Picture 2" descr="C:\Users\moon\Desktop\final_doc\graduation-project\documentation\final documentation\pics\roll controller.png.png"/>
           <p:cNvPicPr>
-            <a:picLocks noGrp="1" noChangeAspect="1"/>
+            <a:picLocks noChangeAspect="1" noChangeArrowheads="1"/>
           </p:cNvPicPr>
-          <p:nvPr>
-            <p:ph idx="1"/>
-          </p:nvPr>
+          <p:nvPr/>
         </p:nvPicPr>
         <p:blipFill>
-          <a:blip r:embed="rId4">
+          <a:blip r:embed="rId3">
             <a:extLst>
               <a:ext uri="{28A0092B-C50C-407E-A947-70E740481C1C}">
                 <a14:useLocalDpi xmlns:a14="http://schemas.microsoft.com/office/drawing/2010/main" val="0"/>
               </a:ext>
             </a:extLst>
           </a:blip>
+          <a:srcRect/>
           <a:stretch>
             <a:fillRect/>
           </a:stretch>
         </p:blipFill>
-        <p:spPr>
-          <a:xfrm>
-            <a:off x="5381767" y="545048"/>
-            <a:ext cx="6810233" cy="1698599"/>
-          </a:xfrm>
+        <p:spPr bwMode="auto">
+          <a:xfrm>
+            <a:off x="6024282" y="970250"/>
+            <a:ext cx="6288742" cy="1461790"/>
+          </a:xfrm>
+          <a:prstGeom prst="rect">
+            <a:avLst/>
+          </a:prstGeom>
+          <a:noFill/>
+          <a:extLst>
+            <a:ext uri="{909E8E84-426E-40DD-AFC4-6F175D3DCCD1}">
+              <a14:hiddenFill xmlns:a14="http://schemas.microsoft.com/office/drawing/2010/main">
+                <a:solidFill>
+                  <a:srgbClr val="FFFFFF"/>
+                </a:solidFill>
+              </a14:hiddenFill>
+            </a:ext>
+          </a:extLst>
         </p:spPr>
       </p:pic>
-      <p:sp>
-        <p:nvSpPr>
-          <p:cNvPr id="2" name="Title 1"/>
-          <p:cNvSpPr>
-            <a:spLocks noGrp="1"/>
-          </p:cNvSpPr>
-          <p:nvPr>
-            <p:ph type="title"/>
-          </p:nvPr>
-        </p:nvSpPr>
-        <p:spPr>
-          <a:xfrm>
-            <a:off x="333232" y="160409"/>
-            <a:ext cx="10515600" cy="890469"/>
-          </a:xfrm>
-        </p:spPr>
-        <p:txBody>
-          <a:bodyPr/>
-          <a:lstStyle/>
-          <a:p>
-            <a:r>
-              <a:rPr lang="en-US" b="1" dirty="0" smtClean="0">
-                <a:effectLst/>
-              </a:rPr>
-              <a:t>Attitude controller:</a:t>
-            </a:r>
-            <a:r>
-              <a:rPr lang="en-US" b="1" u="sng" dirty="0" smtClean="0">
-                <a:effectLst/>
-              </a:rPr>
-              <a:t> Roll Controller</a:t>
-            </a:r>
-            <a:endParaRPr lang="en-US" dirty="0"/>
-          </a:p>
-        </p:txBody>
-      </p:sp>
-      <p:sp>
-        <p:nvSpPr>
-          <p:cNvPr id="7" name="TextBox 6"/>
-          <p:cNvSpPr txBox="1"/>
-          <p:nvPr/>
-        </p:nvSpPr>
-        <p:spPr>
-          <a:xfrm>
-            <a:off x="541596" y="1701145"/>
-            <a:ext cx="4840171" cy="461665"/>
-          </a:xfrm>
-          <a:prstGeom prst="rect">
-            <a:avLst/>
-          </a:prstGeom>
-          <a:noFill/>
-        </p:spPr>
-        <p:txBody>
-          <a:bodyPr wrap="none" rtlCol="0">
-            <a:spAutoFit/>
-          </a:bodyPr>
-          <a:lstStyle/>
-          <a:p>
-            <a:r>
-              <a:rPr lang="en-US" sz="2400" b="1" u="sng" dirty="0" smtClean="0">
-                <a:solidFill>
-                  <a:srgbClr val="FF0000"/>
-                </a:solidFill>
-              </a:rPr>
-              <a:t>1 deg step response &amp; control action</a:t>
-            </a:r>
-            <a:endParaRPr lang="en-US" sz="2400" b="1" u="sng" dirty="0">
-              <a:solidFill>
-                <a:srgbClr val="FF0000"/>
-              </a:solidFill>
-            </a:endParaRPr>
-          </a:p>
-        </p:txBody>
-      </p:sp>
     </p:spTree>
     <p:extLst>
       <p:ext uri="{BB962C8B-B14F-4D97-AF65-F5344CB8AC3E}">
@@ -7943,6 +8033,13 @@
   <p:clrMapOvr>
     <a:masterClrMapping/>
   </p:clrMapOvr>
+  <p:timing>
+    <p:tnLst>
+      <p:par>
+        <p:cTn id="1" dur="indefinite" restart="never" nodeType="tmRoot"/>
+      </p:par>
+    </p:tnLst>
+  </p:timing>
 </p:sld>
 </file>
 
@@ -8040,6 +8137,13 @@
   <p:clrMapOvr>
     <a:masterClrMapping/>
   </p:clrMapOvr>
+  <p:timing>
+    <p:tnLst>
+      <p:par>
+        <p:cTn id="1" dur="indefinite" restart="never" nodeType="tmRoot"/>
+      </p:par>
+    </p:tnLst>
+  </p:timing>
 </p:sld>
 </file>
 
@@ -8089,17 +8193,91 @@
           </a:prstGeom>
         </p:spPr>
       </p:pic>
+      <p:sp>
+        <p:nvSpPr>
+          <p:cNvPr id="2" name="Title 1"/>
+          <p:cNvSpPr>
+            <a:spLocks noGrp="1"/>
+          </p:cNvSpPr>
+          <p:nvPr>
+            <p:ph type="title"/>
+          </p:nvPr>
+        </p:nvSpPr>
+        <p:spPr>
+          <a:xfrm>
+            <a:off x="824552" y="269591"/>
+            <a:ext cx="10515600" cy="1325563"/>
+          </a:xfrm>
+        </p:spPr>
+        <p:txBody>
+          <a:bodyPr/>
+          <a:lstStyle/>
+          <a:p>
+            <a:r>
+              <a:rPr lang="en-US" b="1" dirty="0" smtClean="0">
+                <a:effectLst/>
+              </a:rPr>
+              <a:t>Attitude controller:</a:t>
+            </a:r>
+            <a:r>
+              <a:rPr lang="en-US" b="1" u="sng" dirty="0" smtClean="0">
+                <a:effectLst/>
+              </a:rPr>
+              <a:t> Pitch Controller</a:t>
+            </a:r>
+            <a:endParaRPr lang="en-US" dirty="0"/>
+          </a:p>
+        </p:txBody>
+      </p:sp>
+      <p:sp>
+        <p:nvSpPr>
+          <p:cNvPr id="7" name="TextBox 6"/>
+          <p:cNvSpPr txBox="1"/>
+          <p:nvPr/>
+        </p:nvSpPr>
+        <p:spPr>
+          <a:xfrm>
+            <a:off x="229971" y="1607167"/>
+            <a:ext cx="4840171" cy="461665"/>
+          </a:xfrm>
+          <a:prstGeom prst="rect">
+            <a:avLst/>
+          </a:prstGeom>
+          <a:noFill/>
+        </p:spPr>
+        <p:txBody>
+          <a:bodyPr wrap="none" rtlCol="0">
+            <a:spAutoFit/>
+          </a:bodyPr>
+          <a:lstStyle/>
+          <a:p>
+            <a:r>
+              <a:rPr lang="en-US" sz="2400" b="1" u="sng" dirty="0" smtClean="0">
+                <a:solidFill>
+                  <a:srgbClr val="FF0000"/>
+                </a:solidFill>
+              </a:rPr>
+              <a:t>1 deg step response &amp; control action</a:t>
+            </a:r>
+            <a:endParaRPr lang="en-US" sz="2400" b="1" u="sng" dirty="0">
+              <a:solidFill>
+                <a:srgbClr val="FF0000"/>
+              </a:solidFill>
+            </a:endParaRPr>
+          </a:p>
+        </p:txBody>
+      </p:sp>
       <p:pic>
         <p:nvPicPr>
-          <p:cNvPr id="4" name="Content Placeholder 3"/>
+          <p:cNvPr id="2050" name="Picture 2" descr="C:\Users\moon\Desktop\final_doc\graduation-project\documentation\final documentation\pics\pitch controller.PNG"/>
           <p:cNvPicPr>
-            <a:picLocks noGrp="1" noChangeAspect="1"/>
+            <a:picLocks noGrp="1" noChangeAspect="1" noChangeArrowheads="1"/>
           </p:cNvPicPr>
           <p:nvPr>
             <p:ph idx="1"/>
           </p:nvPr>
         </p:nvPicPr>
-        <p:blipFill>
+        <p:blipFill rotWithShape="1">
           <a:blip r:embed="rId3">
             <a:extLst>
               <a:ext uri="{28A0092B-C50C-407E-A947-70E740481C1C}">
@@ -8107,91 +8285,29 @@
               </a:ext>
             </a:extLst>
           </a:blip>
-          <a:stretch>
-            <a:fillRect/>
-          </a:stretch>
+          <a:srcRect l="1606" t="4958" r="2052" b="7275"/>
+          <a:stretch/>
         </p:blipFill>
-        <p:spPr>
-          <a:xfrm>
-            <a:off x="7067931" y="1057660"/>
-            <a:ext cx="4961905" cy="1438095"/>
-          </a:xfrm>
+        <p:spPr bwMode="auto">
+          <a:xfrm>
+            <a:off x="6220496" y="1168849"/>
+            <a:ext cx="5847008" cy="1596980"/>
+          </a:xfrm>
+          <a:prstGeom prst="rect">
+            <a:avLst/>
+          </a:prstGeom>
+          <a:noFill/>
+          <a:extLst>
+            <a:ext uri="{909E8E84-426E-40DD-AFC4-6F175D3DCCD1}">
+              <a14:hiddenFill xmlns:a14="http://schemas.microsoft.com/office/drawing/2010/main">
+                <a:solidFill>
+                  <a:srgbClr val="FFFFFF"/>
+                </a:solidFill>
+              </a14:hiddenFill>
+            </a:ext>
+          </a:extLst>
         </p:spPr>
       </p:pic>
-      <p:sp>
-        <p:nvSpPr>
-          <p:cNvPr id="2" name="Title 1"/>
-          <p:cNvSpPr>
-            <a:spLocks noGrp="1"/>
-          </p:cNvSpPr>
-          <p:nvPr>
-            <p:ph type="title"/>
-          </p:nvPr>
-        </p:nvSpPr>
-        <p:spPr>
-          <a:xfrm>
-            <a:off x="824552" y="269591"/>
-            <a:ext cx="10515600" cy="1325563"/>
-          </a:xfrm>
-        </p:spPr>
-        <p:txBody>
-          <a:bodyPr/>
-          <a:lstStyle/>
-          <a:p>
-            <a:r>
-              <a:rPr lang="en-US" b="1" dirty="0" smtClean="0">
-                <a:effectLst/>
-              </a:rPr>
-              <a:t>Attitude controller:</a:t>
-            </a:r>
-            <a:r>
-              <a:rPr lang="en-US" b="1" u="sng" dirty="0" smtClean="0">
-                <a:effectLst/>
-              </a:rPr>
-              <a:t> Pitch Controller</a:t>
-            </a:r>
-            <a:endParaRPr lang="en-US" dirty="0"/>
-          </a:p>
-        </p:txBody>
-      </p:sp>
-      <p:sp>
-        <p:nvSpPr>
-          <p:cNvPr id="7" name="TextBox 6"/>
-          <p:cNvSpPr txBox="1"/>
-          <p:nvPr/>
-        </p:nvSpPr>
-        <p:spPr>
-          <a:xfrm>
-            <a:off x="229971" y="1607167"/>
-            <a:ext cx="4840171" cy="461665"/>
-          </a:xfrm>
-          <a:prstGeom prst="rect">
-            <a:avLst/>
-          </a:prstGeom>
-          <a:noFill/>
-        </p:spPr>
-        <p:txBody>
-          <a:bodyPr wrap="none" rtlCol="0">
-            <a:spAutoFit/>
-          </a:bodyPr>
-          <a:lstStyle/>
-          <a:p>
-            <a:r>
-              <a:rPr lang="en-US" sz="2400" b="1" u="sng" dirty="0" smtClean="0">
-                <a:solidFill>
-                  <a:srgbClr val="FF0000"/>
-                </a:solidFill>
-              </a:rPr>
-              <a:t>1 deg step response &amp; control action</a:t>
-            </a:r>
-            <a:endParaRPr lang="en-US" sz="2400" b="1" u="sng" dirty="0">
-              <a:solidFill>
-                <a:srgbClr val="FF0000"/>
-              </a:solidFill>
-            </a:endParaRPr>
-          </a:p>
-        </p:txBody>
-      </p:sp>
     </p:spTree>
     <p:extLst>
       <p:ext uri="{BB962C8B-B14F-4D97-AF65-F5344CB8AC3E}">
@@ -8202,6 +8318,13 @@
   <p:clrMapOvr>
     <a:masterClrMapping/>
   </p:clrMapOvr>
+  <p:timing>
+    <p:tnLst>
+      <p:par>
+        <p:cTn id="1" dur="indefinite" restart="never" nodeType="tmRoot"/>
+      </p:par>
+    </p:tnLst>
+  </p:timing>
 </p:sld>
 </file>
 
@@ -8238,28 +8361,102 @@
               </a:ext>
             </a:extLst>
           </a:blip>
-          <a:srcRect l="6420" r="6738"/>
+          <a:srcRect l="6420" t="4777" r="7975"/>
           <a:stretch/>
         </p:blipFill>
         <p:spPr>
           <a:xfrm>
-            <a:off x="682387" y="1795877"/>
-            <a:ext cx="9444251" cy="4832240"/>
+            <a:off x="0" y="2077957"/>
+            <a:ext cx="9309780" cy="4601408"/>
           </a:xfrm>
           <a:prstGeom prst="rect">
             <a:avLst/>
           </a:prstGeom>
         </p:spPr>
       </p:pic>
+      <p:sp>
+        <p:nvSpPr>
+          <p:cNvPr id="2" name="Title 1"/>
+          <p:cNvSpPr>
+            <a:spLocks noGrp="1"/>
+          </p:cNvSpPr>
+          <p:nvPr>
+            <p:ph type="title"/>
+          </p:nvPr>
+        </p:nvSpPr>
+        <p:spPr>
+          <a:xfrm>
+            <a:off x="374177" y="242295"/>
+            <a:ext cx="10515600" cy="876821"/>
+          </a:xfrm>
+        </p:spPr>
+        <p:txBody>
+          <a:bodyPr/>
+          <a:lstStyle/>
+          <a:p>
+            <a:r>
+              <a:rPr lang="en-US" b="1" dirty="0" smtClean="0">
+                <a:effectLst/>
+              </a:rPr>
+              <a:t>Attitude controller:</a:t>
+            </a:r>
+            <a:r>
+              <a:rPr lang="en-US" b="1" u="sng" dirty="0" smtClean="0">
+                <a:effectLst/>
+              </a:rPr>
+              <a:t> Yaw Controller</a:t>
+            </a:r>
+            <a:endParaRPr lang="en-US" dirty="0"/>
+          </a:p>
+        </p:txBody>
+      </p:sp>
+      <p:sp>
+        <p:nvSpPr>
+          <p:cNvPr id="4" name="TextBox 3"/>
+          <p:cNvSpPr txBox="1"/>
+          <p:nvPr/>
+        </p:nvSpPr>
+        <p:spPr>
+          <a:xfrm>
+            <a:off x="532499" y="1565044"/>
+            <a:ext cx="4995663" cy="461665"/>
+          </a:xfrm>
+          <a:prstGeom prst="rect">
+            <a:avLst/>
+          </a:prstGeom>
+          <a:noFill/>
+        </p:spPr>
+        <p:txBody>
+          <a:bodyPr wrap="none" rtlCol="0">
+            <a:spAutoFit/>
+          </a:bodyPr>
+          <a:lstStyle/>
+          <a:p>
+            <a:r>
+              <a:rPr lang="en-US" sz="2400" b="1" u="sng" dirty="0" smtClean="0">
+                <a:solidFill>
+                  <a:srgbClr val="FF0000"/>
+                </a:solidFill>
+              </a:rPr>
+              <a:t>10 deg step response &amp; control action</a:t>
+            </a:r>
+            <a:endParaRPr lang="en-US" sz="2400" b="1" u="sng" dirty="0">
+              <a:solidFill>
+                <a:srgbClr val="FF0000"/>
+              </a:solidFill>
+            </a:endParaRPr>
+          </a:p>
+        </p:txBody>
+      </p:sp>
       <p:pic>
         <p:nvPicPr>
-          <p:cNvPr id="5" name="Picture 4"/>
+          <p:cNvPr id="3074" name="Picture 2" descr="C:\Users\moon\Desktop\final_doc\graduation-project\documentation\final documentation\pics\psi.png"/>
           <p:cNvPicPr>
-            <a:picLocks noChangeAspect="1"/>
+            <a:picLocks noChangeAspect="1" noChangeArrowheads="1"/>
           </p:cNvPicPr>
           <p:nvPr/>
         </p:nvPicPr>
-        <p:blipFill>
+        <p:blipFill rotWithShape="1">
           <a:blip r:embed="rId3">
             <a:extLst>
               <a:ext uri="{28A0092B-C50C-407E-A947-70E740481C1C}">
@@ -8267,94 +8464,29 @@
               </a:ext>
             </a:extLst>
           </a:blip>
-          <a:stretch>
-            <a:fillRect/>
-          </a:stretch>
+          <a:srcRect l="1689" t="4859" r="4113" b="9264"/>
+          <a:stretch/>
         </p:blipFill>
-        <p:spPr>
-          <a:xfrm>
-            <a:off x="6165681" y="874385"/>
-            <a:ext cx="5811061" cy="1381318"/>
-          </a:xfrm>
-          <a:prstGeom prst="rect">
-            <a:avLst/>
-          </a:prstGeom>
+        <p:spPr bwMode="auto">
+          <a:xfrm>
+            <a:off x="5858435" y="908370"/>
+            <a:ext cx="6333565" cy="1775012"/>
+          </a:xfrm>
+          <a:prstGeom prst="rect">
+            <a:avLst/>
+          </a:prstGeom>
+          <a:noFill/>
+          <a:extLst>
+            <a:ext uri="{909E8E84-426E-40DD-AFC4-6F175D3DCCD1}">
+              <a14:hiddenFill xmlns:a14="http://schemas.microsoft.com/office/drawing/2010/main">
+                <a:solidFill>
+                  <a:srgbClr val="FFFFFF"/>
+                </a:solidFill>
+              </a14:hiddenFill>
+            </a:ext>
+          </a:extLst>
         </p:spPr>
       </p:pic>
-      <p:sp>
-        <p:nvSpPr>
-          <p:cNvPr id="2" name="Title 1"/>
-          <p:cNvSpPr>
-            <a:spLocks noGrp="1"/>
-          </p:cNvSpPr>
-          <p:nvPr>
-            <p:ph type="title"/>
-          </p:nvPr>
-        </p:nvSpPr>
-        <p:spPr>
-          <a:xfrm>
-            <a:off x="374177" y="242295"/>
-            <a:ext cx="10515600" cy="876821"/>
-          </a:xfrm>
-        </p:spPr>
-        <p:txBody>
-          <a:bodyPr/>
-          <a:lstStyle/>
-          <a:p>
-            <a:r>
-              <a:rPr lang="en-US" b="1" dirty="0" smtClean="0">
-                <a:effectLst/>
-              </a:rPr>
-              <a:t>Attitude controller:</a:t>
-            </a:r>
-            <a:r>
-              <a:rPr lang="en-US" b="1" u="sng" dirty="0" smtClean="0">
-                <a:effectLst/>
-              </a:rPr>
-              <a:t> Yaw Controller</a:t>
-            </a:r>
-            <a:endParaRPr lang="en-US" dirty="0"/>
-          </a:p>
-        </p:txBody>
-      </p:sp>
-      <p:sp>
-        <p:nvSpPr>
-          <p:cNvPr id="4" name="TextBox 3"/>
-          <p:cNvSpPr txBox="1"/>
-          <p:nvPr/>
-        </p:nvSpPr>
-        <p:spPr>
-          <a:xfrm>
-            <a:off x="532499" y="1565044"/>
-            <a:ext cx="4995663" cy="461665"/>
-          </a:xfrm>
-          <a:prstGeom prst="rect">
-            <a:avLst/>
-          </a:prstGeom>
-          <a:noFill/>
-        </p:spPr>
-        <p:txBody>
-          <a:bodyPr wrap="none" rtlCol="0">
-            <a:spAutoFit/>
-          </a:bodyPr>
-          <a:lstStyle/>
-          <a:p>
-            <a:r>
-              <a:rPr lang="en-US" sz="2400" b="1" u="sng" dirty="0" smtClean="0">
-                <a:solidFill>
-                  <a:srgbClr val="FF0000"/>
-                </a:solidFill>
-              </a:rPr>
-              <a:t>10 deg step response &amp; control action</a:t>
-            </a:r>
-            <a:endParaRPr lang="en-US" sz="2400" b="1" u="sng" dirty="0">
-              <a:solidFill>
-                <a:srgbClr val="FF0000"/>
-              </a:solidFill>
-            </a:endParaRPr>
-          </a:p>
-        </p:txBody>
-      </p:sp>
     </p:spTree>
     <p:extLst>
       <p:ext uri="{BB962C8B-B14F-4D97-AF65-F5344CB8AC3E}">
@@ -8365,6 +8497,13 @@
   <p:clrMapOvr>
     <a:masterClrMapping/>
   </p:clrMapOvr>
+  <p:timing>
+    <p:tnLst>
+      <p:par>
+        <p:cTn id="1" dur="indefinite" restart="never" nodeType="tmRoot"/>
+      </p:par>
+    </p:tnLst>
+  </p:timing>
 </p:sld>
 </file>
 
@@ -8623,7 +8762,7 @@
   <a:extraClrSchemeLst/>
   <a:extLst>
     <a:ext uri="{05A4C25C-085E-4340-85A3-A5531E510DB2}">
-      <thm15:themeFamily xmlns:thm15="http://schemas.microsoft.com/office/thememl/2012/main" name="Office Theme" id="{62F939B6-93AF-4DB8-9C6B-D6C7DFDC589F}" vid="{4A3C46E8-61CC-4603-A589-7422A47A8E4A}"/>
+      <thm15:themeFamily xmlns:thm15="http://schemas.microsoft.com/office/thememl/2012/main" xmlns="" name="Office Theme" id="{62F939B6-93AF-4DB8-9C6B-D6C7DFDC589F}" vid="{4A3C46E8-61CC-4603-A589-7422A47A8E4A}"/>
     </a:ext>
   </a:extLst>
 </a:theme>

--- a/presentation/shady.pptx
+++ b/presentation/shady.pptx
@@ -278,7 +278,7 @@
           <a:p>
             <a:fld id="{DFE82FEE-1807-4174-AFF6-FEFC4FFA0319}" type="datetimeFigureOut">
               <a:rPr lang="en-US" smtClean="0"/>
-              <a:t>7/5/2019</a:t>
+              <a:t>7/6/2019</a:t>
             </a:fld>
             <a:endParaRPr lang="en-US"/>
           </a:p>
@@ -448,7 +448,7 @@
           <a:p>
             <a:fld id="{DFE82FEE-1807-4174-AFF6-FEFC4FFA0319}" type="datetimeFigureOut">
               <a:rPr lang="en-US" smtClean="0"/>
-              <a:t>7/5/2019</a:t>
+              <a:t>7/6/2019</a:t>
             </a:fld>
             <a:endParaRPr lang="en-US"/>
           </a:p>
@@ -628,7 +628,7 @@
           <a:p>
             <a:fld id="{DFE82FEE-1807-4174-AFF6-FEFC4FFA0319}" type="datetimeFigureOut">
               <a:rPr lang="en-US" smtClean="0"/>
-              <a:t>7/5/2019</a:t>
+              <a:t>7/6/2019</a:t>
             </a:fld>
             <a:endParaRPr lang="en-US"/>
           </a:p>
@@ -798,7 +798,7 @@
           <a:p>
             <a:fld id="{DFE82FEE-1807-4174-AFF6-FEFC4FFA0319}" type="datetimeFigureOut">
               <a:rPr lang="en-US" smtClean="0"/>
-              <a:t>7/5/2019</a:t>
+              <a:t>7/6/2019</a:t>
             </a:fld>
             <a:endParaRPr lang="en-US"/>
           </a:p>
@@ -1044,7 +1044,7 @@
           <a:p>
             <a:fld id="{DFE82FEE-1807-4174-AFF6-FEFC4FFA0319}" type="datetimeFigureOut">
               <a:rPr lang="en-US" smtClean="0"/>
-              <a:t>7/5/2019</a:t>
+              <a:t>7/6/2019</a:t>
             </a:fld>
             <a:endParaRPr lang="en-US"/>
           </a:p>
@@ -1276,7 +1276,7 @@
           <a:p>
             <a:fld id="{DFE82FEE-1807-4174-AFF6-FEFC4FFA0319}" type="datetimeFigureOut">
               <a:rPr lang="en-US" smtClean="0"/>
-              <a:t>7/5/2019</a:t>
+              <a:t>7/6/2019</a:t>
             </a:fld>
             <a:endParaRPr lang="en-US"/>
           </a:p>
@@ -1643,7 +1643,7 @@
           <a:p>
             <a:fld id="{DFE82FEE-1807-4174-AFF6-FEFC4FFA0319}" type="datetimeFigureOut">
               <a:rPr lang="en-US" smtClean="0"/>
-              <a:t>7/5/2019</a:t>
+              <a:t>7/6/2019</a:t>
             </a:fld>
             <a:endParaRPr lang="en-US"/>
           </a:p>
@@ -1761,7 +1761,7 @@
           <a:p>
             <a:fld id="{DFE82FEE-1807-4174-AFF6-FEFC4FFA0319}" type="datetimeFigureOut">
               <a:rPr lang="en-US" smtClean="0"/>
-              <a:t>7/5/2019</a:t>
+              <a:t>7/6/2019</a:t>
             </a:fld>
             <a:endParaRPr lang="en-US"/>
           </a:p>
@@ -1856,7 +1856,7 @@
           <a:p>
             <a:fld id="{DFE82FEE-1807-4174-AFF6-FEFC4FFA0319}" type="datetimeFigureOut">
               <a:rPr lang="en-US" smtClean="0"/>
-              <a:t>7/5/2019</a:t>
+              <a:t>7/6/2019</a:t>
             </a:fld>
             <a:endParaRPr lang="en-US"/>
           </a:p>
@@ -2133,7 +2133,7 @@
           <a:p>
             <a:fld id="{DFE82FEE-1807-4174-AFF6-FEFC4FFA0319}" type="datetimeFigureOut">
               <a:rPr lang="en-US" smtClean="0"/>
-              <a:t>7/5/2019</a:t>
+              <a:t>7/6/2019</a:t>
             </a:fld>
             <a:endParaRPr lang="en-US"/>
           </a:p>
@@ -2386,7 +2386,7 @@
           <a:p>
             <a:fld id="{DFE82FEE-1807-4174-AFF6-FEFC4FFA0319}" type="datetimeFigureOut">
               <a:rPr lang="en-US" smtClean="0"/>
-              <a:t>7/5/2019</a:t>
+              <a:t>7/6/2019</a:t>
             </a:fld>
             <a:endParaRPr lang="en-US"/>
           </a:p>
@@ -2599,7 +2599,7 @@
           <a:p>
             <a:fld id="{DFE82FEE-1807-4174-AFF6-FEFC4FFA0319}" type="datetimeFigureOut">
               <a:rPr lang="en-US" smtClean="0"/>
-              <a:t>7/5/2019</a:t>
+              <a:t>7/6/2019</a:t>
             </a:fld>
             <a:endParaRPr lang="en-US"/>
           </a:p>
@@ -7796,7 +7796,7 @@
       </p:sp>
       <p:pic>
         <p:nvPicPr>
-          <p:cNvPr id="5" name="Content Placeholder 4"/>
+          <p:cNvPr id="4" name="Content Placeholder 3"/>
           <p:cNvPicPr>
             <a:picLocks noGrp="1" noChangeAspect="1"/>
           </p:cNvPicPr>
@@ -7818,8 +7818,8 @@
         </p:blipFill>
         <p:spPr>
           <a:xfrm>
-            <a:off x="1673716" y="1825625"/>
-            <a:ext cx="8844567" cy="4351338"/>
+            <a:off x="1223493" y="1455313"/>
+            <a:ext cx="9620518" cy="4721650"/>
           </a:xfrm>
         </p:spPr>
       </p:pic>
@@ -8762,7 +8762,7 @@
   <a:extraClrSchemeLst/>
   <a:extLst>
     <a:ext uri="{05A4C25C-085E-4340-85A3-A5531E510DB2}">
-      <thm15:themeFamily xmlns:thm15="http://schemas.microsoft.com/office/thememl/2012/main" xmlns="" name="Office Theme" id="{62F939B6-93AF-4DB8-9C6B-D6C7DFDC589F}" vid="{4A3C46E8-61CC-4603-A589-7422A47A8E4A}"/>
+      <thm15:themeFamily xmlns="" xmlns:thm15="http://schemas.microsoft.com/office/thememl/2012/main" name="Office Theme" id="{62F939B6-93AF-4DB8-9C6B-D6C7DFDC589F}" vid="{4A3C46E8-61CC-4603-A589-7422A47A8E4A}"/>
     </a:ext>
   </a:extLst>
 </a:theme>

--- a/presentation/shady.pptx
+++ b/presentation/shady.pptx
@@ -144,6 +144,22 @@
       </a:defRPr>
     </a:lvl9pPr>
   </p:defaultTextStyle>
+  <p:extLst>
+    <p:ext uri="{EFAFB233-063F-42B5-8137-9DF3F51BA10A}">
+      <p15:sldGuideLst xmlns:p15="http://schemas.microsoft.com/office/powerpoint/2012/main">
+        <p15:guide id="1" orient="horz" pos="2160">
+          <p15:clr>
+            <a:srgbClr val="A4A3A4"/>
+          </p15:clr>
+        </p15:guide>
+        <p15:guide id="2" pos="3840">
+          <p15:clr>
+            <a:srgbClr val="A4A3A4"/>
+          </p15:clr>
+        </p15:guide>
+      </p15:sldGuideLst>
+    </p:ext>
+  </p:extLst>
 </p:presentation>
 </file>
 
@@ -189,10 +205,9 @@
           </a:lstStyle>
           <a:p>
             <a:r>
-              <a:rPr lang="en-US" smtClean="0"/>
+              <a:rPr lang="en-US"/>
               <a:t>Click to edit Master title style</a:t>
             </a:r>
-            <a:endParaRPr lang="en-US"/>
           </a:p>
         </p:txBody>
       </p:sp>
@@ -254,10 +269,9 @@
           </a:lstStyle>
           <a:p>
             <a:r>
-              <a:rPr lang="en-US" smtClean="0"/>
+              <a:rPr lang="en-US"/>
               <a:t>Click to edit Master subtitle style</a:t>
             </a:r>
-            <a:endParaRPr lang="en-US"/>
           </a:p>
         </p:txBody>
       </p:sp>
@@ -278,7 +292,7 @@
           <a:p>
             <a:fld id="{DFE82FEE-1807-4174-AFF6-FEFC4FFA0319}" type="datetimeFigureOut">
               <a:rPr lang="en-US" smtClean="0"/>
-              <a:t>7/6/2019</a:t>
+              <a:t>7/8/2019</a:t>
             </a:fld>
             <a:endParaRPr lang="en-US"/>
           </a:p>
@@ -372,10 +386,9 @@
           <a:lstStyle/>
           <a:p>
             <a:r>
-              <a:rPr lang="en-US" smtClean="0"/>
+              <a:rPr lang="en-US"/>
               <a:t>Click to edit Master title style</a:t>
             </a:r>
-            <a:endParaRPr lang="en-US"/>
           </a:p>
         </p:txBody>
       </p:sp>
@@ -396,38 +409,37 @@
           <a:p>
             <a:pPr lvl="0"/>
             <a:r>
-              <a:rPr lang="en-US" smtClean="0"/>
+              <a:rPr lang="en-US"/>
               <a:t>Click to edit Master text styles</a:t>
             </a:r>
           </a:p>
           <a:p>
             <a:pPr lvl="1"/>
             <a:r>
-              <a:rPr lang="en-US" smtClean="0"/>
+              <a:rPr lang="en-US"/>
               <a:t>Second level</a:t>
             </a:r>
           </a:p>
           <a:p>
             <a:pPr lvl="2"/>
             <a:r>
-              <a:rPr lang="en-US" smtClean="0"/>
+              <a:rPr lang="en-US"/>
               <a:t>Third level</a:t>
             </a:r>
           </a:p>
           <a:p>
             <a:pPr lvl="3"/>
             <a:r>
-              <a:rPr lang="en-US" smtClean="0"/>
+              <a:rPr lang="en-US"/>
               <a:t>Fourth level</a:t>
             </a:r>
           </a:p>
           <a:p>
             <a:pPr lvl="4"/>
             <a:r>
-              <a:rPr lang="en-US" smtClean="0"/>
+              <a:rPr lang="en-US"/>
               <a:t>Fifth level</a:t>
             </a:r>
-            <a:endParaRPr lang="en-US"/>
           </a:p>
         </p:txBody>
       </p:sp>
@@ -448,7 +460,7 @@
           <a:p>
             <a:fld id="{DFE82FEE-1807-4174-AFF6-FEFC4FFA0319}" type="datetimeFigureOut">
               <a:rPr lang="en-US" smtClean="0"/>
-              <a:t>7/6/2019</a:t>
+              <a:t>7/8/2019</a:t>
             </a:fld>
             <a:endParaRPr lang="en-US"/>
           </a:p>
@@ -547,10 +559,9 @@
           <a:lstStyle/>
           <a:p>
             <a:r>
-              <a:rPr lang="en-US" smtClean="0"/>
+              <a:rPr lang="en-US"/>
               <a:t>Click to edit Master title style</a:t>
             </a:r>
-            <a:endParaRPr lang="en-US"/>
           </a:p>
         </p:txBody>
       </p:sp>
@@ -576,38 +587,37 @@
           <a:p>
             <a:pPr lvl="0"/>
             <a:r>
-              <a:rPr lang="en-US" smtClean="0"/>
+              <a:rPr lang="en-US"/>
               <a:t>Click to edit Master text styles</a:t>
             </a:r>
           </a:p>
           <a:p>
             <a:pPr lvl="1"/>
             <a:r>
-              <a:rPr lang="en-US" smtClean="0"/>
+              <a:rPr lang="en-US"/>
               <a:t>Second level</a:t>
             </a:r>
           </a:p>
           <a:p>
             <a:pPr lvl="2"/>
             <a:r>
-              <a:rPr lang="en-US" smtClean="0"/>
+              <a:rPr lang="en-US"/>
               <a:t>Third level</a:t>
             </a:r>
           </a:p>
           <a:p>
             <a:pPr lvl="3"/>
             <a:r>
-              <a:rPr lang="en-US" smtClean="0"/>
+              <a:rPr lang="en-US"/>
               <a:t>Fourth level</a:t>
             </a:r>
           </a:p>
           <a:p>
             <a:pPr lvl="4"/>
             <a:r>
-              <a:rPr lang="en-US" smtClean="0"/>
+              <a:rPr lang="en-US"/>
               <a:t>Fifth level</a:t>
             </a:r>
-            <a:endParaRPr lang="en-US"/>
           </a:p>
         </p:txBody>
       </p:sp>
@@ -628,7 +638,7 @@
           <a:p>
             <a:fld id="{DFE82FEE-1807-4174-AFF6-FEFC4FFA0319}" type="datetimeFigureOut">
               <a:rPr lang="en-US" smtClean="0"/>
-              <a:t>7/6/2019</a:t>
+              <a:t>7/8/2019</a:t>
             </a:fld>
             <a:endParaRPr lang="en-US"/>
           </a:p>
@@ -722,10 +732,9 @@
           <a:lstStyle/>
           <a:p>
             <a:r>
-              <a:rPr lang="en-US" smtClean="0"/>
+              <a:rPr lang="en-US"/>
               <a:t>Click to edit Master title style</a:t>
             </a:r>
-            <a:endParaRPr lang="en-US"/>
           </a:p>
         </p:txBody>
       </p:sp>
@@ -746,38 +755,37 @@
           <a:p>
             <a:pPr lvl="0"/>
             <a:r>
-              <a:rPr lang="en-US" smtClean="0"/>
+              <a:rPr lang="en-US"/>
               <a:t>Click to edit Master text styles</a:t>
             </a:r>
           </a:p>
           <a:p>
             <a:pPr lvl="1"/>
             <a:r>
-              <a:rPr lang="en-US" smtClean="0"/>
+              <a:rPr lang="en-US"/>
               <a:t>Second level</a:t>
             </a:r>
           </a:p>
           <a:p>
             <a:pPr lvl="2"/>
             <a:r>
-              <a:rPr lang="en-US" smtClean="0"/>
+              <a:rPr lang="en-US"/>
               <a:t>Third level</a:t>
             </a:r>
           </a:p>
           <a:p>
             <a:pPr lvl="3"/>
             <a:r>
-              <a:rPr lang="en-US" smtClean="0"/>
+              <a:rPr lang="en-US"/>
               <a:t>Fourth level</a:t>
             </a:r>
           </a:p>
           <a:p>
             <a:pPr lvl="4"/>
             <a:r>
-              <a:rPr lang="en-US" smtClean="0"/>
+              <a:rPr lang="en-US"/>
               <a:t>Fifth level</a:t>
             </a:r>
-            <a:endParaRPr lang="en-US"/>
           </a:p>
         </p:txBody>
       </p:sp>
@@ -798,7 +806,7 @@
           <a:p>
             <a:fld id="{DFE82FEE-1807-4174-AFF6-FEFC4FFA0319}" type="datetimeFigureOut">
               <a:rPr lang="en-US" smtClean="0"/>
-              <a:t>7/6/2019</a:t>
+              <a:t>7/8/2019</a:t>
             </a:fld>
             <a:endParaRPr lang="en-US"/>
           </a:p>
@@ -901,10 +909,9 @@
           </a:lstStyle>
           <a:p>
             <a:r>
-              <a:rPr lang="en-US" smtClean="0"/>
+              <a:rPr lang="en-US"/>
               <a:t>Click to edit Master title style</a:t>
             </a:r>
-            <a:endParaRPr lang="en-US"/>
           </a:p>
         </p:txBody>
       </p:sp>
@@ -1021,7 +1028,7 @@
           <a:p>
             <a:pPr lvl="0"/>
             <a:r>
-              <a:rPr lang="en-US" smtClean="0"/>
+              <a:rPr lang="en-US"/>
               <a:t>Click to edit Master text styles</a:t>
             </a:r>
           </a:p>
@@ -1044,7 +1051,7 @@
           <a:p>
             <a:fld id="{DFE82FEE-1807-4174-AFF6-FEFC4FFA0319}" type="datetimeFigureOut">
               <a:rPr lang="en-US" smtClean="0"/>
-              <a:t>7/6/2019</a:t>
+              <a:t>7/8/2019</a:t>
             </a:fld>
             <a:endParaRPr lang="en-US"/>
           </a:p>
@@ -1138,10 +1145,9 @@
           <a:lstStyle/>
           <a:p>
             <a:r>
-              <a:rPr lang="en-US" smtClean="0"/>
+              <a:rPr lang="en-US"/>
               <a:t>Click to edit Master title style</a:t>
             </a:r>
-            <a:endParaRPr lang="en-US"/>
           </a:p>
         </p:txBody>
       </p:sp>
@@ -1167,38 +1173,37 @@
           <a:p>
             <a:pPr lvl="0"/>
             <a:r>
-              <a:rPr lang="en-US" smtClean="0"/>
+              <a:rPr lang="en-US"/>
               <a:t>Click to edit Master text styles</a:t>
             </a:r>
           </a:p>
           <a:p>
             <a:pPr lvl="1"/>
             <a:r>
-              <a:rPr lang="en-US" smtClean="0"/>
+              <a:rPr lang="en-US"/>
               <a:t>Second level</a:t>
             </a:r>
           </a:p>
           <a:p>
             <a:pPr lvl="2"/>
             <a:r>
-              <a:rPr lang="en-US" smtClean="0"/>
+              <a:rPr lang="en-US"/>
               <a:t>Third level</a:t>
             </a:r>
           </a:p>
           <a:p>
             <a:pPr lvl="3"/>
             <a:r>
-              <a:rPr lang="en-US" smtClean="0"/>
+              <a:rPr lang="en-US"/>
               <a:t>Fourth level</a:t>
             </a:r>
           </a:p>
           <a:p>
             <a:pPr lvl="4"/>
             <a:r>
-              <a:rPr lang="en-US" smtClean="0"/>
+              <a:rPr lang="en-US"/>
               <a:t>Fifth level</a:t>
             </a:r>
-            <a:endParaRPr lang="en-US"/>
           </a:p>
         </p:txBody>
       </p:sp>
@@ -1224,38 +1229,37 @@
           <a:p>
             <a:pPr lvl="0"/>
             <a:r>
-              <a:rPr lang="en-US" smtClean="0"/>
+              <a:rPr lang="en-US"/>
               <a:t>Click to edit Master text styles</a:t>
             </a:r>
           </a:p>
           <a:p>
             <a:pPr lvl="1"/>
             <a:r>
-              <a:rPr lang="en-US" smtClean="0"/>
+              <a:rPr lang="en-US"/>
               <a:t>Second level</a:t>
             </a:r>
           </a:p>
           <a:p>
             <a:pPr lvl="2"/>
             <a:r>
-              <a:rPr lang="en-US" smtClean="0"/>
+              <a:rPr lang="en-US"/>
               <a:t>Third level</a:t>
             </a:r>
           </a:p>
           <a:p>
             <a:pPr lvl="3"/>
             <a:r>
-              <a:rPr lang="en-US" smtClean="0"/>
+              <a:rPr lang="en-US"/>
               <a:t>Fourth level</a:t>
             </a:r>
           </a:p>
           <a:p>
             <a:pPr lvl="4"/>
             <a:r>
-              <a:rPr lang="en-US" smtClean="0"/>
+              <a:rPr lang="en-US"/>
               <a:t>Fifth level</a:t>
             </a:r>
-            <a:endParaRPr lang="en-US"/>
           </a:p>
         </p:txBody>
       </p:sp>
@@ -1276,7 +1280,7 @@
           <a:p>
             <a:fld id="{DFE82FEE-1807-4174-AFF6-FEFC4FFA0319}" type="datetimeFigureOut">
               <a:rPr lang="en-US" smtClean="0"/>
-              <a:t>7/6/2019</a:t>
+              <a:t>7/8/2019</a:t>
             </a:fld>
             <a:endParaRPr lang="en-US"/>
           </a:p>
@@ -1375,10 +1379,9 @@
           <a:lstStyle/>
           <a:p>
             <a:r>
-              <a:rPr lang="en-US" smtClean="0"/>
+              <a:rPr lang="en-US"/>
               <a:t>Click to edit Master title style</a:t>
             </a:r>
-            <a:endParaRPr lang="en-US"/>
           </a:p>
         </p:txBody>
       </p:sp>
@@ -1441,7 +1444,7 @@
           <a:p>
             <a:pPr lvl="0"/>
             <a:r>
-              <a:rPr lang="en-US" smtClean="0"/>
+              <a:rPr lang="en-US"/>
               <a:t>Click to edit Master text styles</a:t>
             </a:r>
           </a:p>
@@ -1469,38 +1472,37 @@
           <a:p>
             <a:pPr lvl="0"/>
             <a:r>
-              <a:rPr lang="en-US" smtClean="0"/>
+              <a:rPr lang="en-US"/>
               <a:t>Click to edit Master text styles</a:t>
             </a:r>
           </a:p>
           <a:p>
             <a:pPr lvl="1"/>
             <a:r>
-              <a:rPr lang="en-US" smtClean="0"/>
+              <a:rPr lang="en-US"/>
               <a:t>Second level</a:t>
             </a:r>
           </a:p>
           <a:p>
             <a:pPr lvl="2"/>
             <a:r>
-              <a:rPr lang="en-US" smtClean="0"/>
+              <a:rPr lang="en-US"/>
               <a:t>Third level</a:t>
             </a:r>
           </a:p>
           <a:p>
             <a:pPr lvl="3"/>
             <a:r>
-              <a:rPr lang="en-US" smtClean="0"/>
+              <a:rPr lang="en-US"/>
               <a:t>Fourth level</a:t>
             </a:r>
           </a:p>
           <a:p>
             <a:pPr lvl="4"/>
             <a:r>
-              <a:rPr lang="en-US" smtClean="0"/>
+              <a:rPr lang="en-US"/>
               <a:t>Fifth level</a:t>
             </a:r>
-            <a:endParaRPr lang="en-US"/>
           </a:p>
         </p:txBody>
       </p:sp>
@@ -1563,7 +1565,7 @@
           <a:p>
             <a:pPr lvl="0"/>
             <a:r>
-              <a:rPr lang="en-US" smtClean="0"/>
+              <a:rPr lang="en-US"/>
               <a:t>Click to edit Master text styles</a:t>
             </a:r>
           </a:p>
@@ -1591,38 +1593,37 @@
           <a:p>
             <a:pPr lvl="0"/>
             <a:r>
-              <a:rPr lang="en-US" smtClean="0"/>
+              <a:rPr lang="en-US"/>
               <a:t>Click to edit Master text styles</a:t>
             </a:r>
           </a:p>
           <a:p>
             <a:pPr lvl="1"/>
             <a:r>
-              <a:rPr lang="en-US" smtClean="0"/>
+              <a:rPr lang="en-US"/>
               <a:t>Second level</a:t>
             </a:r>
           </a:p>
           <a:p>
             <a:pPr lvl="2"/>
             <a:r>
-              <a:rPr lang="en-US" smtClean="0"/>
+              <a:rPr lang="en-US"/>
               <a:t>Third level</a:t>
             </a:r>
           </a:p>
           <a:p>
             <a:pPr lvl="3"/>
             <a:r>
-              <a:rPr lang="en-US" smtClean="0"/>
+              <a:rPr lang="en-US"/>
               <a:t>Fourth level</a:t>
             </a:r>
           </a:p>
           <a:p>
             <a:pPr lvl="4"/>
             <a:r>
-              <a:rPr lang="en-US" smtClean="0"/>
+              <a:rPr lang="en-US"/>
               <a:t>Fifth level</a:t>
             </a:r>
-            <a:endParaRPr lang="en-US"/>
           </a:p>
         </p:txBody>
       </p:sp>
@@ -1643,7 +1644,7 @@
           <a:p>
             <a:fld id="{DFE82FEE-1807-4174-AFF6-FEFC4FFA0319}" type="datetimeFigureOut">
               <a:rPr lang="en-US" smtClean="0"/>
-              <a:t>7/6/2019</a:t>
+              <a:t>7/8/2019</a:t>
             </a:fld>
             <a:endParaRPr lang="en-US"/>
           </a:p>
@@ -1737,10 +1738,9 @@
           <a:lstStyle/>
           <a:p>
             <a:r>
-              <a:rPr lang="en-US" smtClean="0"/>
+              <a:rPr lang="en-US"/>
               <a:t>Click to edit Master title style</a:t>
             </a:r>
-            <a:endParaRPr lang="en-US"/>
           </a:p>
         </p:txBody>
       </p:sp>
@@ -1761,7 +1761,7 @@
           <a:p>
             <a:fld id="{DFE82FEE-1807-4174-AFF6-FEFC4FFA0319}" type="datetimeFigureOut">
               <a:rPr lang="en-US" smtClean="0"/>
-              <a:t>7/6/2019</a:t>
+              <a:t>7/8/2019</a:t>
             </a:fld>
             <a:endParaRPr lang="en-US"/>
           </a:p>
@@ -1856,7 +1856,7 @@
           <a:p>
             <a:fld id="{DFE82FEE-1807-4174-AFF6-FEFC4FFA0319}" type="datetimeFigureOut">
               <a:rPr lang="en-US" smtClean="0"/>
-              <a:t>7/6/2019</a:t>
+              <a:t>7/8/2019</a:t>
             </a:fld>
             <a:endParaRPr lang="en-US"/>
           </a:p>
@@ -1959,10 +1959,9 @@
           </a:lstStyle>
           <a:p>
             <a:r>
-              <a:rPr lang="en-US" smtClean="0"/>
+              <a:rPr lang="en-US"/>
               <a:t>Click to edit Master title style</a:t>
             </a:r>
-            <a:endParaRPr lang="en-US"/>
           </a:p>
         </p:txBody>
       </p:sp>
@@ -2016,38 +2015,37 @@
           <a:p>
             <a:pPr lvl="0"/>
             <a:r>
-              <a:rPr lang="en-US" smtClean="0"/>
+              <a:rPr lang="en-US"/>
               <a:t>Click to edit Master text styles</a:t>
             </a:r>
           </a:p>
           <a:p>
             <a:pPr lvl="1"/>
             <a:r>
-              <a:rPr lang="en-US" smtClean="0"/>
+              <a:rPr lang="en-US"/>
               <a:t>Second level</a:t>
             </a:r>
           </a:p>
           <a:p>
             <a:pPr lvl="2"/>
             <a:r>
-              <a:rPr lang="en-US" smtClean="0"/>
+              <a:rPr lang="en-US"/>
               <a:t>Third level</a:t>
             </a:r>
           </a:p>
           <a:p>
             <a:pPr lvl="3"/>
             <a:r>
-              <a:rPr lang="en-US" smtClean="0"/>
+              <a:rPr lang="en-US"/>
               <a:t>Fourth level</a:t>
             </a:r>
           </a:p>
           <a:p>
             <a:pPr lvl="4"/>
             <a:r>
-              <a:rPr lang="en-US" smtClean="0"/>
+              <a:rPr lang="en-US"/>
               <a:t>Fifth level</a:t>
             </a:r>
-            <a:endParaRPr lang="en-US"/>
           </a:p>
         </p:txBody>
       </p:sp>
@@ -2110,7 +2108,7 @@
           <a:p>
             <a:pPr lvl="0"/>
             <a:r>
-              <a:rPr lang="en-US" smtClean="0"/>
+              <a:rPr lang="en-US"/>
               <a:t>Click to edit Master text styles</a:t>
             </a:r>
           </a:p>
@@ -2133,7 +2131,7 @@
           <a:p>
             <a:fld id="{DFE82FEE-1807-4174-AFF6-FEFC4FFA0319}" type="datetimeFigureOut">
               <a:rPr lang="en-US" smtClean="0"/>
-              <a:t>7/6/2019</a:t>
+              <a:t>7/8/2019</a:t>
             </a:fld>
             <a:endParaRPr lang="en-US"/>
           </a:p>
@@ -2236,10 +2234,9 @@
           </a:lstStyle>
           <a:p>
             <a:r>
-              <a:rPr lang="en-US" smtClean="0"/>
+              <a:rPr lang="en-US"/>
               <a:t>Click to edit Master title style</a:t>
             </a:r>
-            <a:endParaRPr lang="en-US"/>
           </a:p>
         </p:txBody>
       </p:sp>
@@ -2363,7 +2360,7 @@
           <a:p>
             <a:pPr lvl="0"/>
             <a:r>
-              <a:rPr lang="en-US" smtClean="0"/>
+              <a:rPr lang="en-US"/>
               <a:t>Click to edit Master text styles</a:t>
             </a:r>
           </a:p>
@@ -2386,7 +2383,7 @@
           <a:p>
             <a:fld id="{DFE82FEE-1807-4174-AFF6-FEFC4FFA0319}" type="datetimeFigureOut">
               <a:rPr lang="en-US" smtClean="0"/>
-              <a:t>7/6/2019</a:t>
+              <a:t>7/8/2019</a:t>
             </a:fld>
             <a:endParaRPr lang="en-US"/>
           </a:p>
@@ -2495,10 +2492,9 @@
           <a:lstStyle/>
           <a:p>
             <a:r>
-              <a:rPr lang="en-US" smtClean="0"/>
+              <a:rPr lang="en-US"/>
               <a:t>Click to edit Master title style</a:t>
             </a:r>
-            <a:endParaRPr lang="en-US"/>
           </a:p>
         </p:txBody>
       </p:sp>
@@ -2529,38 +2525,37 @@
           <a:p>
             <a:pPr lvl="0"/>
             <a:r>
-              <a:rPr lang="en-US" smtClean="0"/>
+              <a:rPr lang="en-US"/>
               <a:t>Click to edit Master text styles</a:t>
             </a:r>
           </a:p>
           <a:p>
             <a:pPr lvl="1"/>
             <a:r>
-              <a:rPr lang="en-US" smtClean="0"/>
+              <a:rPr lang="en-US"/>
               <a:t>Second level</a:t>
             </a:r>
           </a:p>
           <a:p>
             <a:pPr lvl="2"/>
             <a:r>
-              <a:rPr lang="en-US" smtClean="0"/>
+              <a:rPr lang="en-US"/>
               <a:t>Third level</a:t>
             </a:r>
           </a:p>
           <a:p>
             <a:pPr lvl="3"/>
             <a:r>
-              <a:rPr lang="en-US" smtClean="0"/>
+              <a:rPr lang="en-US"/>
               <a:t>Fourth level</a:t>
             </a:r>
           </a:p>
           <a:p>
             <a:pPr lvl="4"/>
             <a:r>
-              <a:rPr lang="en-US" smtClean="0"/>
+              <a:rPr lang="en-US"/>
               <a:t>Fifth level</a:t>
             </a:r>
-            <a:endParaRPr lang="en-US"/>
           </a:p>
         </p:txBody>
       </p:sp>
@@ -2599,7 +2594,7 @@
           <a:p>
             <a:fld id="{DFE82FEE-1807-4174-AFF6-FEFC4FFA0319}" type="datetimeFigureOut">
               <a:rPr lang="en-US" smtClean="0"/>
-              <a:t>7/6/2019</a:t>
+              <a:t>7/8/2019</a:t>
             </a:fld>
             <a:endParaRPr lang="en-US"/>
           </a:p>
@@ -3020,10 +3015,9 @@
           <a:lstStyle/>
           <a:p>
             <a:r>
-              <a:rPr lang="en-US" dirty="0" smtClean="0"/>
+              <a:rPr lang="en-US" dirty="0"/>
               <a:t>Chapters Autopilot &amp; vision and OA</a:t>
             </a:r>
-            <a:endParaRPr lang="en-US" dirty="0"/>
           </a:p>
         </p:txBody>
       </p:sp>
@@ -3048,11 +3042,11 @@
           <a:lstStyle/>
           <a:p>
             <a:r>
-              <a:rPr lang="en-US" dirty="0" smtClean="0"/>
+              <a:rPr lang="en-US" dirty="0"/>
               <a:t>Shady </a:t>
             </a:r>
             <a:r>
-              <a:rPr lang="en-US" dirty="0" err="1" smtClean="0"/>
+              <a:rPr lang="en-US" dirty="0" err="1"/>
               <a:t>Ammar</a:t>
             </a:r>
             <a:endParaRPr lang="en-US" dirty="0"/>
@@ -3141,18 +3135,13 @@
           <a:lstStyle/>
           <a:p>
             <a:r>
-              <a:rPr lang="en-US" sz="2400" b="1" u="sng" dirty="0" smtClean="0">
+              <a:rPr lang="en-US" sz="2400" b="1" u="sng" dirty="0">
                 <a:solidFill>
                   <a:srgbClr val="FF0000"/>
                 </a:solidFill>
               </a:rPr>
               <a:t>10 deg step response &amp; control action</a:t>
             </a:r>
-            <a:endParaRPr lang="en-US" sz="2400" b="1" u="sng" dirty="0">
-              <a:solidFill>
-                <a:srgbClr val="FF0000"/>
-              </a:solidFill>
-            </a:endParaRPr>
           </a:p>
         </p:txBody>
       </p:sp>
@@ -3166,13 +3155,6 @@
   <p:clrMapOvr>
     <a:masterClrMapping/>
   </p:clrMapOvr>
-  <p:timing>
-    <p:tnLst>
-      <p:par>
-        <p:cTn id="1" dur="indefinite" restart="never" nodeType="tmRoot"/>
-      </p:par>
-    </p:tnLst>
-  </p:timing>
 </p:sld>
 </file>
 
@@ -3216,19 +3198,13 @@
           <a:lstStyle/>
           <a:p>
             <a:r>
-              <a:rPr lang="en-US" b="1" u="sng" dirty="0" smtClean="0">
+              <a:rPr lang="en-US" b="1" u="sng" dirty="0">
                 <a:effectLst/>
               </a:rPr>
               <a:t>Roll , Pitch and Yaw Controllers together in action:</a:t>
             </a:r>
-            <a:r>
-              <a:rPr lang="en-US" dirty="0" smtClean="0">
-                <a:effectLst/>
-              </a:rPr>
-              <a:t/>
-            </a:r>
             <a:br>
-              <a:rPr lang="en-US" dirty="0" smtClean="0">
+              <a:rPr lang="en-US" dirty="0">
                 <a:effectLst/>
               </a:rPr>
             </a:br>
@@ -3288,18 +3264,13 @@
           <a:lstStyle/>
           <a:p>
             <a:r>
-              <a:rPr lang="en-US" sz="2400" b="1" u="sng" dirty="0" smtClean="0">
+              <a:rPr lang="en-US" sz="2400" b="1" u="sng" dirty="0">
                 <a:solidFill>
                   <a:srgbClr val="FF0000"/>
                 </a:solidFill>
               </a:rPr>
               <a:t>(Roll = 5deg / Pitch=0deg / Yaw = 5deg) step response &amp; control action</a:t>
             </a:r>
-            <a:endParaRPr lang="en-US" sz="2400" b="1" u="sng" dirty="0">
-              <a:solidFill>
-                <a:srgbClr val="FF0000"/>
-              </a:solidFill>
-            </a:endParaRPr>
           </a:p>
         </p:txBody>
       </p:sp>
@@ -3313,13 +3284,6 @@
   <p:clrMapOvr>
     <a:masterClrMapping/>
   </p:clrMapOvr>
-  <p:timing>
-    <p:tnLst>
-      <p:par>
-        <p:cTn id="1" dur="indefinite" restart="never" nodeType="tmRoot"/>
-      </p:par>
-    </p:tnLst>
-  </p:timing>
 </p:sld>
 </file>
 
@@ -3361,7 +3325,7 @@
           <a:lstStyle/>
           <a:p>
             <a:r>
-              <a:rPr lang="en-US" b="1" dirty="0" smtClean="0">
+              <a:rPr lang="en-US" b="1" dirty="0">
                 <a:effectLst/>
               </a:rPr>
               <a:t>Altitude Controller</a:t>
@@ -3452,18 +3416,13 @@
           <a:lstStyle/>
           <a:p>
             <a:r>
-              <a:rPr lang="en-US" sz="2400" b="1" u="sng" dirty="0" smtClean="0">
+              <a:rPr lang="en-US" sz="2400" b="1" u="sng" dirty="0">
                 <a:solidFill>
                   <a:srgbClr val="FF0000"/>
                 </a:solidFill>
               </a:rPr>
               <a:t>1 m (z = -1) step response &amp; control action</a:t>
             </a:r>
-            <a:endParaRPr lang="en-US" sz="2400" b="1" u="sng" dirty="0">
-              <a:solidFill>
-                <a:srgbClr val="FF0000"/>
-              </a:solidFill>
-            </a:endParaRPr>
           </a:p>
         </p:txBody>
       </p:sp>
@@ -3549,18 +3508,13 @@
           <a:lstStyle/>
           <a:p>
             <a:r>
-              <a:rPr lang="en-US" sz="2400" b="1" u="sng" dirty="0" smtClean="0">
+              <a:rPr lang="en-US" sz="2400" b="1" u="sng" dirty="0">
                 <a:solidFill>
                   <a:srgbClr val="FF0000"/>
                 </a:solidFill>
               </a:rPr>
               <a:t>10 m (z = -10) step response &amp; control action</a:t>
             </a:r>
-            <a:endParaRPr lang="en-US" sz="2400" b="1" u="sng" dirty="0">
-              <a:solidFill>
-                <a:srgbClr val="FF0000"/>
-              </a:solidFill>
-            </a:endParaRPr>
           </a:p>
         </p:txBody>
       </p:sp>
@@ -3574,13 +3528,6 @@
   <p:clrMapOvr>
     <a:masterClrMapping/>
   </p:clrMapOvr>
-  <p:timing>
-    <p:tnLst>
-      <p:par>
-        <p:cTn id="1" dur="indefinite" restart="never" nodeType="tmRoot"/>
-      </p:par>
-    </p:tnLst>
-  </p:timing>
 </p:sld>
 </file>
 
@@ -3624,7 +3571,7 @@
           <a:lstStyle/>
           <a:p>
             <a:r>
-              <a:rPr lang="en-US" b="1" dirty="0" smtClean="0">
+              <a:rPr lang="en-US" b="1" dirty="0">
                 <a:effectLst/>
               </a:rPr>
               <a:t>Attitude &amp; Altitude controllers together in action</a:t>
@@ -3656,18 +3603,13 @@
           <a:lstStyle/>
           <a:p>
             <a:r>
-              <a:rPr lang="en-US" sz="2400" b="1" u="sng" dirty="0" smtClean="0">
+              <a:rPr lang="en-US" sz="2400" b="1" u="sng" dirty="0">
                 <a:solidFill>
                   <a:srgbClr val="FF0000"/>
                 </a:solidFill>
               </a:rPr>
               <a:t>(Roll = 5deg / Pitch=-5deg / Yaw = 0deg / altitude = 4m) step response &amp; control action</a:t>
             </a:r>
-            <a:endParaRPr lang="en-US" sz="2400" b="1" u="sng" dirty="0">
-              <a:solidFill>
-                <a:srgbClr val="FF0000"/>
-              </a:solidFill>
-            </a:endParaRPr>
           </a:p>
         </p:txBody>
       </p:sp>
@@ -3720,13 +3662,6 @@
   <p:clrMapOvr>
     <a:masterClrMapping/>
   </p:clrMapOvr>
-  <p:timing>
-    <p:tnLst>
-      <p:par>
-        <p:cTn id="1" dur="indefinite" restart="never" nodeType="tmRoot"/>
-      </p:par>
-    </p:tnLst>
-  </p:timing>
 </p:sld>
 </file>
 
@@ -3846,7 +3781,7 @@
           <a:lstStyle/>
           <a:p>
             <a:r>
-              <a:rPr lang="en-US" b="1" dirty="0" smtClean="0">
+              <a:rPr lang="en-US" b="1" dirty="0">
                 <a:effectLst/>
               </a:rPr>
               <a:t>Line-of-sight (LOS) Guidance</a:t>
@@ -3865,13 +3800,6 @@
   <p:clrMapOvr>
     <a:masterClrMapping/>
   </p:clrMapOvr>
-  <p:timing>
-    <p:tnLst>
-      <p:par>
-        <p:cTn id="1" dur="indefinite" restart="never" nodeType="tmRoot"/>
-      </p:par>
-    </p:tnLst>
-  </p:timing>
 </p:sld>
 </file>
 
@@ -4145,13 +4073,6 @@
   <p:clrMapOvr>
     <a:masterClrMapping/>
   </p:clrMapOvr>
-  <p:timing>
-    <p:tnLst>
-      <p:par>
-        <p:cTn id="1" dur="indefinite" restart="never" nodeType="tmRoot"/>
-      </p:par>
-    </p:tnLst>
-  </p:timing>
 </p:sld>
 </file>
 
@@ -4285,18 +4206,13 @@
           <a:lstStyle/>
           <a:p>
             <a:r>
-              <a:rPr lang="en-US" sz="2800" b="1" dirty="0" smtClean="0">
+              <a:rPr lang="en-US" sz="2800" b="1" dirty="0">
                 <a:solidFill>
                   <a:srgbClr val="FF0000"/>
                 </a:solidFill>
               </a:rPr>
               <a:t>Oscillations with high settling time, we need to increase P , D </a:t>
             </a:r>
-            <a:endParaRPr lang="en-US" sz="2800" b="1" dirty="0">
-              <a:solidFill>
-                <a:srgbClr val="FF0000"/>
-              </a:solidFill>
-            </a:endParaRPr>
           </a:p>
         </p:txBody>
       </p:sp>
@@ -4406,13 +4322,13 @@
           <a:lstStyle/>
           <a:p>
             <a:r>
-              <a:rPr lang="en-US" b="1" dirty="0" smtClean="0">
+              <a:rPr lang="en-US" b="1" dirty="0">
                 <a:effectLst/>
               </a:rPr>
               <a:t>Nonlinear mathematical model</a:t>
             </a:r>
             <a:br>
-              <a:rPr lang="en-US" b="1" dirty="0" smtClean="0">
+              <a:rPr lang="en-US" b="1" dirty="0">
                 <a:effectLst/>
               </a:rPr>
             </a:br>
@@ -4497,10 +4413,9 @@
           <a:lstStyle/>
           <a:p>
             <a:r>
-              <a:rPr lang="en-US" sz="4400" dirty="0" smtClean="0"/>
+              <a:rPr lang="en-US" sz="4400" dirty="0"/>
               <a:t>Simulation Video</a:t>
             </a:r>
-            <a:endParaRPr lang="en-US" sz="4400" dirty="0"/>
           </a:p>
         </p:txBody>
       </p:sp>
@@ -4555,14 +4470,13 @@
           <a:lstStyle/>
           <a:p>
             <a:r>
-              <a:rPr lang="en-US" dirty="0" err="1" smtClean="0"/>
+              <a:rPr lang="en-US" dirty="0" err="1"/>
               <a:t>LabVIEW</a:t>
             </a:r>
             <a:r>
-              <a:rPr lang="en-US" dirty="0" smtClean="0"/>
+              <a:rPr lang="en-US" dirty="0"/>
               <a:t> code</a:t>
             </a:r>
-            <a:endParaRPr lang="en-US" dirty="0"/>
           </a:p>
         </p:txBody>
       </p:sp>
@@ -4647,10 +4561,9 @@
           <a:lstStyle/>
           <a:p>
             <a:r>
-              <a:rPr lang="en-US" dirty="0" smtClean="0"/>
+              <a:rPr lang="en-US" dirty="0"/>
               <a:t>Quad-Copter phase nonlinear model</a:t>
             </a:r>
-            <a:endParaRPr lang="en-US" dirty="0"/>
           </a:p>
         </p:txBody>
       </p:sp>
@@ -4832,10 +4745,9 @@
           </a:lstStyle>
           <a:p>
             <a:r>
-              <a:rPr lang="en-US" dirty="0" smtClean="0"/>
+              <a:rPr lang="en-US" dirty="0"/>
               <a:t>Attitude Controller</a:t>
             </a:r>
-            <a:endParaRPr lang="en-US" dirty="0"/>
           </a:p>
         </p:txBody>
       </p:sp>
@@ -4890,10 +4802,9 @@
           <a:lstStyle/>
           <a:p>
             <a:r>
-              <a:rPr lang="en-US" dirty="0" smtClean="0"/>
+              <a:rPr lang="en-US" dirty="0"/>
               <a:t>Altitude Controller</a:t>
             </a:r>
-            <a:endParaRPr lang="en-US" dirty="0"/>
           </a:p>
         </p:txBody>
       </p:sp>
@@ -4978,10 +4889,9 @@
           <a:lstStyle/>
           <a:p>
             <a:r>
-              <a:rPr lang="en-US" dirty="0" smtClean="0"/>
+              <a:rPr lang="en-US" dirty="0"/>
               <a:t>Guidance</a:t>
             </a:r>
-            <a:endParaRPr lang="en-US" dirty="0"/>
           </a:p>
         </p:txBody>
       </p:sp>
@@ -5066,10 +4976,9 @@
           <a:lstStyle/>
           <a:p>
             <a:r>
-              <a:rPr lang="en-US" dirty="0" smtClean="0"/>
+              <a:rPr lang="en-US" dirty="0"/>
               <a:t>Commercial Autopilot</a:t>
             </a:r>
-            <a:endParaRPr lang="en-US" dirty="0"/>
           </a:p>
         </p:txBody>
       </p:sp>
@@ -5172,19 +5081,19 @@
           <a:lstStyle/>
           <a:p>
             <a:r>
-              <a:rPr lang="en-US" sz="2000" b="1" dirty="0" smtClean="0">
+              <a:rPr lang="en-US" sz="2000" b="1" dirty="0">
                 <a:effectLst/>
               </a:rPr>
               <a:t>PIXHAWK is an autopilot hardware for academic, hobby and developer </a:t>
             </a:r>
             <a:r>
-              <a:rPr lang="en-US" sz="2000" b="1" dirty="0" err="1" smtClean="0">
+              <a:rPr lang="en-US" sz="2000" b="1" dirty="0" err="1">
                 <a:effectLst/>
               </a:rPr>
               <a:t>communitites</a:t>
             </a:r>
             <a:r>
-              <a:rPr lang="en-US" sz="2000" b="1" dirty="0" smtClean="0">
+              <a:rPr lang="en-US" sz="2000" b="1" dirty="0">
                 <a:effectLst/>
               </a:rPr>
               <a:t> and supports flight </a:t>
@@ -5192,31 +5101,31 @@
           </a:p>
           <a:p>
             <a:r>
-              <a:rPr lang="en-US" sz="2000" b="1" dirty="0" smtClean="0">
+              <a:rPr lang="en-US" sz="2000" b="1" dirty="0">
                 <a:effectLst/>
               </a:rPr>
               <a:t>stacks software like </a:t>
             </a:r>
             <a:r>
-              <a:rPr lang="en-US" sz="2800" b="1" dirty="0" smtClean="0">
+              <a:rPr lang="en-US" sz="2800" b="1" dirty="0">
                 <a:effectLst/>
               </a:rPr>
               <a:t>PX4 </a:t>
             </a:r>
             <a:r>
-              <a:rPr lang="en-US" sz="2000" b="1" dirty="0" smtClean="0">
+              <a:rPr lang="en-US" sz="2000" b="1" dirty="0">
                 <a:effectLst/>
               </a:rPr>
               <a:t>and </a:t>
             </a:r>
             <a:r>
-              <a:rPr lang="en-US" sz="2000" b="1" dirty="0" err="1" smtClean="0">
+              <a:rPr lang="en-US" sz="2000" b="1" dirty="0" err="1">
                 <a:effectLst/>
               </a:rPr>
               <a:t>ArduPilot</a:t>
             </a:r>
             <a:r>
-              <a:rPr lang="en-US" sz="2000" b="1" dirty="0" smtClean="0">
+              <a:rPr lang="en-US" sz="2000" b="1" dirty="0">
                 <a:effectLst/>
               </a:rPr>
               <a:t>.</a:t>
@@ -5250,7 +5159,7 @@
           <a:lstStyle/>
           <a:p>
             <a:r>
-              <a:rPr lang="en-US" sz="3200" b="1" dirty="0" smtClean="0">
+              <a:rPr lang="en-US" sz="3200" b="1" dirty="0">
                 <a:solidFill>
                   <a:srgbClr val="FF0000"/>
                 </a:solidFill>
@@ -5288,7 +5197,7 @@
           <a:lstStyle/>
           <a:p>
             <a:r>
-              <a:rPr lang="en-US" sz="3200" b="1" dirty="0" smtClean="0">
+              <a:rPr lang="en-US" sz="3200" b="1" dirty="0">
                 <a:solidFill>
                   <a:srgbClr val="FF0000"/>
                 </a:solidFill>
@@ -5394,7 +5303,7 @@
           <a:lstStyle/>
           <a:p>
             <a:r>
-              <a:rPr lang="en-US" sz="3200" b="1" dirty="0" smtClean="0">
+              <a:rPr lang="en-US" sz="3200" b="1" dirty="0">
                 <a:solidFill>
                   <a:srgbClr val="FF0000"/>
                 </a:solidFill>
@@ -5500,7 +5409,7 @@
           <a:lstStyle/>
           <a:p>
             <a:r>
-              <a:rPr lang="en-US" sz="3200" b="1" dirty="0" smtClean="0">
+              <a:rPr lang="en-US" sz="3200" b="1" dirty="0">
                 <a:solidFill>
                   <a:srgbClr val="FF0000"/>
                 </a:solidFill>
@@ -5566,10 +5475,9 @@
           <a:lstStyle/>
           <a:p>
             <a:r>
-              <a:rPr lang="en-US" dirty="0" smtClean="0"/>
+              <a:rPr lang="en-US" dirty="0"/>
               <a:t>Quad-plane phase Linear model</a:t>
             </a:r>
-            <a:endParaRPr lang="en-US" dirty="0"/>
           </a:p>
         </p:txBody>
       </p:sp>
@@ -5594,10 +5502,22 @@
           <a:lstStyle/>
           <a:p>
             <a:r>
-              <a:rPr lang="pt-BR" dirty="0" smtClean="0">
+              <a:rPr lang="pt-BR" dirty="0">
                 <a:effectLst/>
               </a:rPr>
-              <a:t>Steady-state : all rates = 0 , φ = θ = 0 , p=q=r=0 , α =0 </a:t>
+              <a:t>Steady-state : all rates = 0 , φ = θ = </a:t>
+            </a:r>
+            <a:r>
+              <a:rPr lang="pt-BR">
+                <a:effectLst/>
+              </a:rPr>
+              <a:t>0 , </a:t>
+            </a:r>
+            <a:r>
+              <a:rPr lang="pt-BR" dirty="0">
+                <a:effectLst/>
+              </a:rPr>
+              <a:t>α =0 </a:t>
             </a:r>
           </a:p>
           <a:p>
@@ -5680,10 +5600,9 @@
           <a:lstStyle/>
           <a:p>
             <a:r>
-              <a:rPr lang="en-US" dirty="0" smtClean="0"/>
+              <a:rPr lang="en-US" dirty="0"/>
               <a:t>Position Controller</a:t>
             </a:r>
-            <a:endParaRPr lang="en-US" dirty="0"/>
           </a:p>
         </p:txBody>
       </p:sp>
@@ -5817,10 +5736,9 @@
           </a:lstStyle>
           <a:p>
             <a:r>
-              <a:rPr lang="en-US" dirty="0" smtClean="0"/>
+              <a:rPr lang="en-US" dirty="0"/>
               <a:t>Position Controller</a:t>
             </a:r>
-            <a:endParaRPr lang="en-US" dirty="0"/>
           </a:p>
         </p:txBody>
       </p:sp>
@@ -5967,7 +5885,7 @@
           <a:lstStyle/>
           <a:p>
             <a:r>
-              <a:rPr lang="en-US" sz="2800" b="1" u="sng" dirty="0" smtClean="0">
+              <a:rPr lang="en-US" sz="2800" b="1" u="sng" dirty="0">
                 <a:solidFill>
                   <a:srgbClr val="FF0000"/>
                 </a:solidFill>
@@ -5975,7 +5893,7 @@
               <a:t>1</a:t>
             </a:r>
             <a:r>
-              <a:rPr lang="en-US" sz="2800" b="1" u="sng" baseline="30000" dirty="0" smtClean="0">
+              <a:rPr lang="en-US" sz="2800" b="1" u="sng" baseline="30000" dirty="0">
                 <a:solidFill>
                   <a:srgbClr val="FF0000"/>
                 </a:solidFill>
@@ -5983,18 +5901,13 @@
               <a:t>st</a:t>
             </a:r>
             <a:r>
-              <a:rPr lang="en-US" sz="2800" b="1" u="sng" dirty="0" smtClean="0">
+              <a:rPr lang="en-US" sz="2800" b="1" u="sng" dirty="0">
                 <a:solidFill>
                   <a:srgbClr val="FF0000"/>
                 </a:solidFill>
               </a:rPr>
               <a:t> Loop : P</a:t>
             </a:r>
-            <a:endParaRPr lang="en-US" sz="2800" b="1" u="sng" dirty="0">
-              <a:solidFill>
-                <a:srgbClr val="FF0000"/>
-              </a:solidFill>
-            </a:endParaRPr>
           </a:p>
         </p:txBody>
       </p:sp>
@@ -6021,7 +5934,7 @@
           <a:lstStyle/>
           <a:p>
             <a:r>
-              <a:rPr lang="en-US" sz="2800" b="1" u="sng" dirty="0" smtClean="0">
+              <a:rPr lang="en-US" sz="2800" b="1" u="sng" dirty="0">
                 <a:solidFill>
                   <a:srgbClr val="FF0000"/>
                 </a:solidFill>
@@ -6029,7 +5942,7 @@
               <a:t>2</a:t>
             </a:r>
             <a:r>
-              <a:rPr lang="en-US" sz="2800" b="1" u="sng" baseline="30000" dirty="0" smtClean="0">
+              <a:rPr lang="en-US" sz="2800" b="1" u="sng" baseline="30000" dirty="0">
                 <a:solidFill>
                   <a:srgbClr val="FF0000"/>
                 </a:solidFill>
@@ -6037,18 +5950,13 @@
               <a:t>st</a:t>
             </a:r>
             <a:r>
-              <a:rPr lang="en-US" sz="2800" b="1" u="sng" dirty="0" smtClean="0">
+              <a:rPr lang="en-US" sz="2800" b="1" u="sng" dirty="0">
                 <a:solidFill>
                   <a:srgbClr val="FF0000"/>
                 </a:solidFill>
               </a:rPr>
               <a:t> Loop : PID</a:t>
             </a:r>
-            <a:endParaRPr lang="en-US" sz="2800" b="1" u="sng" dirty="0">
-              <a:solidFill>
-                <a:srgbClr val="FF0000"/>
-              </a:solidFill>
-            </a:endParaRPr>
           </a:p>
         </p:txBody>
       </p:sp>
@@ -6182,10 +6090,9 @@
           </a:lstStyle>
           <a:p>
             <a:r>
-              <a:rPr lang="en-US" dirty="0" smtClean="0"/>
+              <a:rPr lang="en-US" dirty="0"/>
               <a:t>Attitude Controller</a:t>
             </a:r>
-            <a:endParaRPr lang="en-US" dirty="0"/>
           </a:p>
         </p:txBody>
       </p:sp>
@@ -6302,7 +6209,7 @@
           <a:lstStyle/>
           <a:p>
             <a:r>
-              <a:rPr lang="en-US" sz="2800" b="1" u="sng" dirty="0" smtClean="0">
+              <a:rPr lang="en-US" sz="2800" b="1" u="sng" dirty="0">
                 <a:solidFill>
                   <a:srgbClr val="FF0000"/>
                 </a:solidFill>
@@ -6310,7 +6217,7 @@
               <a:t>1</a:t>
             </a:r>
             <a:r>
-              <a:rPr lang="en-US" sz="2800" b="1" u="sng" baseline="30000" dirty="0" smtClean="0">
+              <a:rPr lang="en-US" sz="2800" b="1" u="sng" baseline="30000" dirty="0">
                 <a:solidFill>
                   <a:srgbClr val="FF0000"/>
                 </a:solidFill>
@@ -6318,18 +6225,13 @@
               <a:t>st</a:t>
             </a:r>
             <a:r>
-              <a:rPr lang="en-US" sz="2800" b="1" u="sng" dirty="0" smtClean="0">
+              <a:rPr lang="en-US" sz="2800" b="1" u="sng" dirty="0">
                 <a:solidFill>
                   <a:srgbClr val="FF0000"/>
                 </a:solidFill>
               </a:rPr>
               <a:t> Loop : P</a:t>
             </a:r>
-            <a:endParaRPr lang="en-US" sz="2800" b="1" u="sng" dirty="0">
-              <a:solidFill>
-                <a:srgbClr val="FF0000"/>
-              </a:solidFill>
-            </a:endParaRPr>
           </a:p>
         </p:txBody>
       </p:sp>
@@ -6386,7 +6288,7 @@
           <a:lstStyle/>
           <a:p>
             <a:r>
-              <a:rPr lang="en-US" sz="2800" b="1" u="sng" dirty="0" smtClean="0">
+              <a:rPr lang="en-US" sz="2800" b="1" u="sng" dirty="0">
                 <a:solidFill>
                   <a:srgbClr val="FF0000"/>
                 </a:solidFill>
@@ -6394,7 +6296,7 @@
               <a:t>2</a:t>
             </a:r>
             <a:r>
-              <a:rPr lang="en-US" sz="2800" b="1" u="sng" baseline="30000" dirty="0" smtClean="0">
+              <a:rPr lang="en-US" sz="2800" b="1" u="sng" baseline="30000" dirty="0">
                 <a:solidFill>
                   <a:srgbClr val="FF0000"/>
                 </a:solidFill>
@@ -6402,18 +6304,13 @@
               <a:t>st</a:t>
             </a:r>
             <a:r>
-              <a:rPr lang="en-US" sz="2800" b="1" u="sng" dirty="0" smtClean="0">
+              <a:rPr lang="en-US" sz="2800" b="1" u="sng" dirty="0">
                 <a:solidFill>
                   <a:srgbClr val="FF0000"/>
                 </a:solidFill>
               </a:rPr>
               <a:t> Loop : PID</a:t>
             </a:r>
-            <a:endParaRPr lang="en-US" sz="2800" b="1" u="sng" dirty="0">
-              <a:solidFill>
-                <a:srgbClr val="FF0000"/>
-              </a:solidFill>
-            </a:endParaRPr>
           </a:p>
         </p:txBody>
       </p:sp>
@@ -6500,16 +6397,15 @@
           <a:lstStyle/>
           <a:p>
             <a:r>
-              <a:rPr lang="en-US" sz="2400" b="1" dirty="0" smtClean="0">
+              <a:rPr lang="en-US" sz="2400" b="1" dirty="0">
                 <a:effectLst/>
               </a:rPr>
               <a:t>some measures to account for the nonlinear behavior of the motor in practice</a:t>
             </a:r>
             <a:r>
-              <a:rPr lang="en-US" sz="2400" b="1" dirty="0" smtClean="0"/>
+              <a:rPr lang="en-US" sz="2400" b="1" dirty="0"/>
               <a:t>:</a:t>
             </a:r>
-            <a:endParaRPr lang="en-US" sz="2400" b="1" dirty="0"/>
           </a:p>
         </p:txBody>
       </p:sp>
@@ -6538,8 +6434,20 @@
                 <a:tableStyleId>{5C22544A-7EE6-4342-B048-85BDC9FD1C3A}</a:tableStyleId>
               </a:tblPr>
               <a:tblGrid>
-                <a:gridCol w="4486323"/>
-                <a:gridCol w="4486323"/>
+                <a:gridCol w="4486323">
+                  <a:extLst>
+                    <a:ext uri="{9D8B030D-6E8A-4147-A177-3AD203B41FA5}">
+                      <a16:colId xmlns:a16="http://schemas.microsoft.com/office/drawing/2014/main" val="20000"/>
+                    </a:ext>
+                  </a:extLst>
+                </a:gridCol>
+                <a:gridCol w="4486323">
+                  <a:extLst>
+                    <a:ext uri="{9D8B030D-6E8A-4147-A177-3AD203B41FA5}">
+                      <a16:colId xmlns:a16="http://schemas.microsoft.com/office/drawing/2014/main" val="20001"/>
+                    </a:ext>
+                  </a:extLst>
+                </a:gridCol>
               </a:tblGrid>
               <a:tr h="614193">
                 <a:tc>
@@ -6548,10 +6456,9 @@
                     <a:lstStyle/>
                     <a:p>
                       <a:r>
-                        <a:rPr lang="en-US" dirty="0" smtClean="0"/>
+                        <a:rPr lang="en-US" dirty="0"/>
                         <a:t>Thrust curve method</a:t>
                       </a:r>
-                      <a:endParaRPr lang="en-US" dirty="0"/>
                     </a:p>
                   </a:txBody>
                   <a:tcPr/>
@@ -6562,14 +6469,18 @@
                     <a:lstStyle/>
                     <a:p>
                       <a:r>
-                        <a:rPr lang="en-US" dirty="0" smtClean="0"/>
+                        <a:rPr lang="en-US" dirty="0"/>
                         <a:t>PID attenuation</a:t>
                       </a:r>
-                      <a:endParaRPr lang="en-US" dirty="0"/>
                     </a:p>
                   </a:txBody>
                   <a:tcPr/>
                 </a:tc>
+                <a:extLst>
+                  <a:ext uri="{0D108BD9-81ED-4DB2-BD59-A6C34878D82A}">
+                    <a16:rowId xmlns:a16="http://schemas.microsoft.com/office/drawing/2014/main" val="10000"/>
+                  </a:ext>
+                </a:extLst>
               </a:tr>
               <a:tr h="4694785">
                 <a:tc>
@@ -6595,30 +6506,30 @@
                         <a:defRPr/>
                       </a:pPr>
                       <a:r>
-                        <a:rPr lang="en-US" dirty="0" smtClean="0">
+                        <a:rPr lang="en-US" dirty="0">
                           <a:effectLst/>
                         </a:rPr>
                         <a:t>Thrust = ( 1-factor ) PWM+ ( factor ) PWM^2 </a:t>
                       </a:r>
                       <a:br>
-                        <a:rPr lang="en-US" dirty="0" smtClean="0">
+                        <a:rPr lang="en-US" dirty="0">
                           <a:effectLst/>
                         </a:rPr>
                       </a:br>
                       <a:r>
-                        <a:rPr lang="en-US" dirty="0" smtClean="0">
+                        <a:rPr lang="en-US" dirty="0">
                           <a:effectLst/>
                         </a:rPr>
                         <a:t>the </a:t>
                       </a:r>
                       <a:r>
-                        <a:rPr lang="en-US" i="1" u="sng" dirty="0" smtClean="0">
+                        <a:rPr lang="en-US" i="1" u="sng" dirty="0">
                           <a:effectLst/>
                         </a:rPr>
                         <a:t>factor</a:t>
                       </a:r>
                       <a:r>
-                        <a:rPr lang="en-US" dirty="0" smtClean="0">
+                        <a:rPr lang="en-US" dirty="0">
                           <a:effectLst/>
                         </a:rPr>
                         <a:t> is stored in “THR_MDL_FAC” parameter so we can change it to model our motors characteristics.</a:t>
@@ -6653,7 +6564,7 @@
                         <a:defRPr/>
                       </a:pPr>
                       <a:r>
-                        <a:rPr lang="en-US" dirty="0" smtClean="0">
+                        <a:rPr lang="en-US" dirty="0">
                           <a:effectLst/>
                         </a:rPr>
                         <a:t>after some value of the throttle (for example: 70%) called “break-point”, we can attenuate the gains to decrease the control effort according to a parameter called “rate”. The break-point value is configured using “MC_TPA_BREAK_*” parameters , and the rate is configured using “MC_TPA_RATE_* ” parameters.</a:t>
@@ -6677,7 +6588,7 @@
                         <a:tabLst/>
                         <a:defRPr/>
                       </a:pPr>
-                      <a:endParaRPr lang="en-US" dirty="0" smtClean="0">
+                      <a:endParaRPr lang="en-US" dirty="0">
                         <a:effectLst/>
                       </a:endParaRPr>
                     </a:p>
@@ -6687,6 +6598,11 @@
                   </a:txBody>
                   <a:tcPr/>
                 </a:tc>
+                <a:extLst>
+                  <a:ext uri="{0D108BD9-81ED-4DB2-BD59-A6C34878D82A}">
+                    <a16:rowId xmlns:a16="http://schemas.microsoft.com/office/drawing/2014/main" val="10001"/>
+                  </a:ext>
+                </a:extLst>
               </a:tr>
             </a:tbl>
           </a:graphicData>
@@ -6773,10 +6689,9 @@
           <a:lstStyle/>
           <a:p>
             <a:r>
-              <a:rPr lang="en-US" dirty="0" smtClean="0"/>
+              <a:rPr lang="en-US" dirty="0"/>
               <a:t>Estimators</a:t>
             </a:r>
-            <a:endParaRPr lang="en-US" dirty="0"/>
           </a:p>
         </p:txBody>
       </p:sp>
@@ -6803,19 +6718,19 @@
           <a:lstStyle/>
           <a:p>
             <a:r>
-              <a:rPr lang="en-US" sz="2000" dirty="0" smtClean="0">
+              <a:rPr lang="en-US" sz="2000" dirty="0">
                 <a:effectLst/>
               </a:rPr>
               <a:t>In PX4 </a:t>
             </a:r>
             <a:r>
-              <a:rPr lang="en-US" sz="2000" dirty="0" err="1" smtClean="0">
+              <a:rPr lang="en-US" sz="2000" dirty="0" err="1">
                 <a:effectLst/>
               </a:rPr>
               <a:t>flightstack</a:t>
             </a:r>
             <a:r>
-              <a:rPr lang="en-US" sz="2000" dirty="0" smtClean="0">
+              <a:rPr lang="en-US" sz="2000" dirty="0">
                 <a:effectLst/>
               </a:rPr>
               <a:t>, there is 4 types of estimators are defined so we can choose the one that suits our application:</a:t>
@@ -6917,10 +6832,9 @@
           <a:lstStyle/>
           <a:p>
             <a:r>
-              <a:rPr lang="en-US" dirty="0" smtClean="0"/>
+              <a:rPr lang="en-US" dirty="0"/>
               <a:t>Logging</a:t>
             </a:r>
-            <a:endParaRPr lang="en-US" dirty="0"/>
           </a:p>
         </p:txBody>
       </p:sp>
@@ -6949,8 +6863,20 @@
                 <a:tableStyleId>{5C22544A-7EE6-4342-B048-85BDC9FD1C3A}</a:tableStyleId>
               </a:tblPr>
               <a:tblGrid>
-                <a:gridCol w="5098197"/>
-                <a:gridCol w="5098197"/>
+                <a:gridCol w="5098197">
+                  <a:extLst>
+                    <a:ext uri="{9D8B030D-6E8A-4147-A177-3AD203B41FA5}">
+                      <a16:colId xmlns:a16="http://schemas.microsoft.com/office/drawing/2014/main" val="20000"/>
+                    </a:ext>
+                  </a:extLst>
+                </a:gridCol>
+                <a:gridCol w="5098197">
+                  <a:extLst>
+                    <a:ext uri="{9D8B030D-6E8A-4147-A177-3AD203B41FA5}">
+                      <a16:colId xmlns:a16="http://schemas.microsoft.com/office/drawing/2014/main" val="20001"/>
+                    </a:ext>
+                  </a:extLst>
+                </a:gridCol>
               </a:tblGrid>
               <a:tr h="370840">
                 <a:tc>
@@ -6959,7 +6885,7 @@
                     <a:lstStyle/>
                     <a:p>
                       <a:r>
-                        <a:rPr lang="en-US" sz="1800" b="0" i="0" kern="1200" dirty="0" smtClean="0">
+                        <a:rPr lang="en-US" sz="1800" b="0" i="0" kern="1200" dirty="0">
                           <a:solidFill>
                             <a:schemeClr val="lt1"/>
                           </a:solidFill>
@@ -6971,10 +6897,9 @@
                         <a:t>SD card</a:t>
                       </a:r>
                       <a:r>
-                        <a:rPr lang="en-US" dirty="0" smtClean="0"/>
+                        <a:rPr lang="en-US" dirty="0"/>
                         <a:t> </a:t>
                       </a:r>
-                      <a:endParaRPr lang="en-US" dirty="0"/>
                     </a:p>
                   </a:txBody>
                   <a:tcPr/>
@@ -6985,7 +6910,7 @@
                     <a:lstStyle/>
                     <a:p>
                       <a:r>
-                        <a:rPr lang="en-US" sz="1800" b="0" i="0" kern="1200" dirty="0" smtClean="0">
+                        <a:rPr lang="en-US" sz="1800" b="0" i="0" kern="1200" dirty="0">
                           <a:solidFill>
                             <a:schemeClr val="lt1"/>
                           </a:solidFill>
@@ -6997,14 +6922,18 @@
                         <a:t>Log Streaming</a:t>
                       </a:r>
                       <a:r>
-                        <a:rPr lang="en-US" dirty="0" smtClean="0"/>
+                        <a:rPr lang="en-US" dirty="0"/>
                         <a:t> </a:t>
                       </a:r>
-                      <a:endParaRPr lang="en-US" dirty="0"/>
                     </a:p>
                   </a:txBody>
                   <a:tcPr/>
                 </a:tc>
+                <a:extLst>
+                  <a:ext uri="{0D108BD9-81ED-4DB2-BD59-A6C34878D82A}">
+                    <a16:rowId xmlns:a16="http://schemas.microsoft.com/office/drawing/2014/main" val="10000"/>
+                  </a:ext>
+                </a:extLst>
               </a:tr>
               <a:tr h="370840">
                 <a:tc>
@@ -7013,7 +6942,7 @@
                     <a:lstStyle/>
                     <a:p>
                       <a:r>
-                        <a:rPr lang="en-US" sz="1800" b="0" i="0" kern="1200" dirty="0" smtClean="0">
+                        <a:rPr lang="en-US" sz="1800" b="0" i="0" kern="1200" dirty="0">
                           <a:solidFill>
                             <a:schemeClr val="dk1"/>
                           </a:solidFill>
@@ -7025,7 +6954,7 @@
                         <a:t>The most </a:t>
                       </a:r>
                       <a:r>
-                        <a:rPr lang="en-US" sz="1800" b="0" i="0" kern="1200" dirty="0" err="1" smtClean="0">
+                        <a:rPr lang="en-US" sz="1800" b="0" i="0" kern="1200" dirty="0" err="1">
                           <a:solidFill>
                             <a:schemeClr val="dk1"/>
                           </a:solidFill>
@@ -7037,7 +6966,7 @@
                         <a:t>ecient</a:t>
                       </a:r>
                       <a:r>
-                        <a:rPr lang="en-US" sz="1800" b="0" i="0" kern="1200" dirty="0" smtClean="0">
+                        <a:rPr lang="en-US" sz="1800" b="0" i="0" kern="1200" dirty="0">
                           <a:solidFill>
                             <a:schemeClr val="dk1"/>
                           </a:solidFill>
@@ -7049,7 +6978,7 @@
                         <a:t> way for large data size is using SD card on the PIXHAWK where the data is</a:t>
                       </a:r>
                       <a:br>
-                        <a:rPr lang="en-US" sz="1800" b="0" i="0" kern="1200" dirty="0" smtClean="0">
+                        <a:rPr lang="en-US" sz="1800" b="0" i="0" kern="1200" dirty="0">
                           <a:solidFill>
                             <a:schemeClr val="dk1"/>
                           </a:solidFill>
@@ -7060,7 +6989,7 @@
                         </a:rPr>
                       </a:br>
                       <a:r>
-                        <a:rPr lang="en-US" sz="1800" b="0" i="0" kern="1200" dirty="0" smtClean="0">
+                        <a:rPr lang="en-US" sz="1800" b="0" i="0" kern="1200" dirty="0">
                           <a:solidFill>
                             <a:schemeClr val="dk1"/>
                           </a:solidFill>
@@ -7072,11 +7001,11 @@
                         <a:t>logged.</a:t>
                       </a:r>
                       <a:r>
-                        <a:rPr lang="en-US" dirty="0" smtClean="0"/>
+                        <a:rPr lang="en-US" dirty="0"/>
                         <a:t> </a:t>
                       </a:r>
                       <a:br>
-                        <a:rPr lang="en-US" dirty="0" smtClean="0"/>
+                        <a:rPr lang="en-US" dirty="0"/>
                       </a:br>
                       <a:endParaRPr lang="en-US" dirty="0"/>
                     </a:p>
@@ -7089,7 +7018,7 @@
                     <a:lstStyle/>
                     <a:p>
                       <a:r>
-                        <a:rPr lang="en-US" sz="1800" b="0" i="0" kern="1200" dirty="0" smtClean="0">
+                        <a:rPr lang="en-US" sz="1800" b="0" i="0" kern="1200" dirty="0">
                           <a:solidFill>
                             <a:schemeClr val="dk1"/>
                           </a:solidFill>
@@ -7101,7 +7030,7 @@
                         <a:t>The Log Streaming way, which sends the same logging data via </a:t>
                       </a:r>
                       <a:r>
-                        <a:rPr lang="en-US" sz="1800" b="0" i="0" kern="1200" dirty="0" err="1" smtClean="0">
+                        <a:rPr lang="en-US" sz="1800" b="0" i="0" kern="1200" dirty="0" err="1">
                           <a:solidFill>
                             <a:schemeClr val="dk1"/>
                           </a:solidFill>
@@ -7113,7 +7042,7 @@
                         <a:t>MAVLink</a:t>
                       </a:r>
                       <a:r>
-                        <a:rPr lang="en-US" sz="1800" b="0" i="0" kern="1200" dirty="0" smtClean="0">
+                        <a:rPr lang="en-US" sz="1800" b="0" i="0" kern="1200" dirty="0">
                           <a:solidFill>
                             <a:schemeClr val="dk1"/>
                           </a:solidFill>
@@ -7125,7 +7054,7 @@
                         <a:t>. The requirement is that</a:t>
                       </a:r>
                       <a:br>
-                        <a:rPr lang="en-US" sz="1800" b="0" i="0" kern="1200" dirty="0" smtClean="0">
+                        <a:rPr lang="en-US" sz="1800" b="0" i="0" kern="1200" dirty="0">
                           <a:solidFill>
                             <a:schemeClr val="dk1"/>
                           </a:solidFill>
@@ -7136,7 +7065,7 @@
                         </a:rPr>
                       </a:br>
                       <a:r>
-                        <a:rPr lang="en-US" sz="1800" b="0" i="0" kern="1200" dirty="0" smtClean="0">
+                        <a:rPr lang="en-US" sz="1800" b="0" i="0" kern="1200" dirty="0">
                           <a:solidFill>
                             <a:schemeClr val="dk1"/>
                           </a:solidFill>
@@ -7148,7 +7077,7 @@
                         <a:t>the link(for example </a:t>
                       </a:r>
                       <a:r>
-                        <a:rPr lang="en-US" sz="1800" b="0" i="0" kern="1200" dirty="0" err="1" smtClean="0">
+                        <a:rPr lang="en-US" sz="1800" b="0" i="0" kern="1200" dirty="0" err="1">
                           <a:solidFill>
                             <a:schemeClr val="dk1"/>
                           </a:solidFill>
@@ -7160,7 +7089,7 @@
                         <a:t>WiFi</a:t>
                       </a:r>
                       <a:r>
-                        <a:rPr lang="en-US" sz="1800" b="0" i="0" kern="1200" dirty="0" smtClean="0">
+                        <a:rPr lang="en-US" sz="1800" b="0" i="0" kern="1200" dirty="0">
                           <a:solidFill>
                             <a:schemeClr val="dk1"/>
                           </a:solidFill>
@@ -7172,7 +7101,7 @@
                         <a:t>) provides at least 50 KB/s and only one client can request log streaming</a:t>
                       </a:r>
                       <a:br>
-                        <a:rPr lang="en-US" sz="1800" b="0" i="0" kern="1200" dirty="0" smtClean="0">
+                        <a:rPr lang="en-US" sz="1800" b="0" i="0" kern="1200" dirty="0">
                           <a:solidFill>
                             <a:schemeClr val="dk1"/>
                           </a:solidFill>
@@ -7183,7 +7112,7 @@
                         </a:rPr>
                       </a:br>
                       <a:r>
-                        <a:rPr lang="en-US" sz="1800" b="0" i="0" kern="1200" dirty="0" smtClean="0">
+                        <a:rPr lang="en-US" sz="1800" b="0" i="0" kern="1200" dirty="0">
                           <a:solidFill>
                             <a:schemeClr val="dk1"/>
                           </a:solidFill>
@@ -7195,7 +7124,7 @@
                         <a:t>at the same time. The connection doesn't necessarily need to be reliable because the protocol can</a:t>
                       </a:r>
                       <a:br>
-                        <a:rPr lang="en-US" sz="1800" b="0" i="0" kern="1200" dirty="0" smtClean="0">
+                        <a:rPr lang="en-US" sz="1800" b="0" i="0" kern="1200" dirty="0">
                           <a:solidFill>
                             <a:schemeClr val="dk1"/>
                           </a:solidFill>
@@ -7206,7 +7135,7 @@
                         </a:rPr>
                       </a:br>
                       <a:r>
-                        <a:rPr lang="en-US" sz="1800" b="0" i="0" kern="1200" dirty="0" smtClean="0">
+                        <a:rPr lang="en-US" sz="1800" b="0" i="0" kern="1200" dirty="0">
                           <a:solidFill>
                             <a:schemeClr val="dk1"/>
                           </a:solidFill>
@@ -7218,17 +7147,22 @@
                         <a:t>handle drops.</a:t>
                       </a:r>
                       <a:r>
-                        <a:rPr lang="en-US" dirty="0" smtClean="0"/>
+                        <a:rPr lang="en-US" dirty="0"/>
                         <a:t> </a:t>
                       </a:r>
                       <a:br>
-                        <a:rPr lang="en-US" dirty="0" smtClean="0"/>
+                        <a:rPr lang="en-US" dirty="0"/>
                       </a:br>
                       <a:endParaRPr lang="en-US" dirty="0"/>
                     </a:p>
                   </a:txBody>
                   <a:tcPr/>
                 </a:tc>
+                <a:extLst>
+                  <a:ext uri="{0D108BD9-81ED-4DB2-BD59-A6C34878D82A}">
+                    <a16:rowId xmlns:a16="http://schemas.microsoft.com/office/drawing/2014/main" val="10001"/>
+                  </a:ext>
+                </a:extLst>
               </a:tr>
             </a:tbl>
           </a:graphicData>
@@ -7285,7 +7219,7 @@
           <a:lstStyle/>
           <a:p>
             <a:r>
-              <a:rPr lang="en-US" b="1" dirty="0" smtClean="0">
+              <a:rPr lang="en-US" b="1" dirty="0">
                 <a:effectLst/>
               </a:rPr>
               <a:t>Quad-plane phase cruise controller</a:t>
@@ -7509,7 +7443,7 @@
           <a:lstStyle/>
           <a:p>
             <a:r>
-              <a:rPr lang="en-US" b="1" dirty="0" smtClean="0">
+              <a:rPr lang="en-US" b="1" dirty="0">
                 <a:effectLst/>
               </a:rPr>
               <a:t>Quad-copter phase Linear model</a:t>
@@ -7624,18 +7558,13 @@
           <a:lstStyle/>
           <a:p>
             <a:r>
-              <a:rPr lang="en-US" sz="2400" b="1" u="sng" dirty="0" smtClean="0">
+              <a:rPr lang="en-US" sz="2400" b="1" u="sng" dirty="0">
                 <a:solidFill>
                   <a:srgbClr val="FF0000"/>
                 </a:solidFill>
               </a:rPr>
               <a:t>step response &amp; control action</a:t>
             </a:r>
-            <a:endParaRPr lang="en-US" sz="2400" b="1" u="sng" dirty="0">
-              <a:solidFill>
-                <a:srgbClr val="FF0000"/>
-              </a:solidFill>
-            </a:endParaRPr>
           </a:p>
         </p:txBody>
       </p:sp>
@@ -7721,18 +7650,13 @@
           <a:lstStyle/>
           <a:p>
             <a:r>
-              <a:rPr lang="en-US" sz="2400" b="1" u="sng" dirty="0" smtClean="0">
+              <a:rPr lang="en-US" sz="2400" b="1" u="sng" dirty="0">
                 <a:solidFill>
                   <a:srgbClr val="FF0000"/>
                 </a:solidFill>
               </a:rPr>
               <a:t>impulse response &amp; control action</a:t>
             </a:r>
-            <a:endParaRPr lang="en-US" sz="2400" b="1" u="sng" dirty="0">
-              <a:solidFill>
-                <a:srgbClr val="FF0000"/>
-              </a:solidFill>
-            </a:endParaRPr>
           </a:p>
         </p:txBody>
       </p:sp>
@@ -7787,10 +7711,9 @@
           <a:lstStyle/>
           <a:p>
             <a:r>
-              <a:rPr lang="en-US" dirty="0" smtClean="0"/>
+              <a:rPr lang="en-US" dirty="0"/>
               <a:t>Quad-copter phase Autopilot</a:t>
             </a:r>
-            <a:endParaRPr lang="en-US" dirty="0"/>
           </a:p>
         </p:txBody>
       </p:sp>
@@ -7833,13 +7756,6 @@
   <p:clrMapOvr>
     <a:masterClrMapping/>
   </p:clrMapOvr>
-  <p:timing>
-    <p:tnLst>
-      <p:par>
-        <p:cTn id="1" dur="indefinite" restart="never" nodeType="tmRoot"/>
-      </p:par>
-    </p:tnLst>
-  </p:timing>
 </p:sld>
 </file>
 
@@ -7910,13 +7826,13 @@
           <a:lstStyle/>
           <a:p>
             <a:r>
-              <a:rPr lang="en-US" b="1" dirty="0" smtClean="0">
+              <a:rPr lang="en-US" b="1" dirty="0">
                 <a:effectLst/>
               </a:rPr>
               <a:t>Attitude controller:</a:t>
             </a:r>
             <a:r>
-              <a:rPr lang="en-US" b="1" u="sng" dirty="0" smtClean="0">
+              <a:rPr lang="en-US" b="1" u="sng" dirty="0">
                 <a:effectLst/>
               </a:rPr>
               <a:t> Roll Controller</a:t>
@@ -7948,18 +7864,13 @@
           <a:lstStyle/>
           <a:p>
             <a:r>
-              <a:rPr lang="en-US" sz="2400" b="1" u="sng" dirty="0" smtClean="0">
+              <a:rPr lang="en-US" sz="2400" b="1" u="sng" dirty="0">
                 <a:solidFill>
                   <a:srgbClr val="FF0000"/>
                 </a:solidFill>
               </a:rPr>
               <a:t>1 deg step response &amp; control action</a:t>
             </a:r>
-            <a:endParaRPr lang="en-US" sz="2400" b="1" u="sng" dirty="0">
-              <a:solidFill>
-                <a:srgbClr val="FF0000"/>
-              </a:solidFill>
-            </a:endParaRPr>
           </a:p>
         </p:txBody>
       </p:sp>
@@ -8033,13 +7944,6 @@
   <p:clrMapOvr>
     <a:masterClrMapping/>
   </p:clrMapOvr>
-  <p:timing>
-    <p:tnLst>
-      <p:par>
-        <p:cTn id="1" dur="indefinite" restart="never" nodeType="tmRoot"/>
-      </p:par>
-    </p:tnLst>
-  </p:timing>
 </p:sld>
 </file>
 
@@ -8112,18 +8016,13 @@
           <a:lstStyle/>
           <a:p>
             <a:r>
-              <a:rPr lang="en-US" sz="2400" b="1" u="sng" dirty="0" smtClean="0">
+              <a:rPr lang="en-US" sz="2400" b="1" u="sng" dirty="0">
                 <a:solidFill>
                   <a:srgbClr val="FF0000"/>
                 </a:solidFill>
               </a:rPr>
               <a:t>10 deg step response &amp; control action</a:t>
             </a:r>
-            <a:endParaRPr lang="en-US" sz="2400" b="1" u="sng" dirty="0">
-              <a:solidFill>
-                <a:srgbClr val="FF0000"/>
-              </a:solidFill>
-            </a:endParaRPr>
           </a:p>
         </p:txBody>
       </p:sp>
@@ -8137,13 +8036,6 @@
   <p:clrMapOvr>
     <a:masterClrMapping/>
   </p:clrMapOvr>
-  <p:timing>
-    <p:tnLst>
-      <p:par>
-        <p:cTn id="1" dur="indefinite" restart="never" nodeType="tmRoot"/>
-      </p:par>
-    </p:tnLst>
-  </p:timing>
 </p:sld>
 </file>
 
@@ -8214,13 +8106,13 @@
           <a:lstStyle/>
           <a:p>
             <a:r>
-              <a:rPr lang="en-US" b="1" dirty="0" smtClean="0">
+              <a:rPr lang="en-US" b="1" dirty="0">
                 <a:effectLst/>
               </a:rPr>
               <a:t>Attitude controller:</a:t>
             </a:r>
             <a:r>
-              <a:rPr lang="en-US" b="1" u="sng" dirty="0" smtClean="0">
+              <a:rPr lang="en-US" b="1" u="sng" dirty="0">
                 <a:effectLst/>
               </a:rPr>
               <a:t> Pitch Controller</a:t>
@@ -8252,18 +8144,13 @@
           <a:lstStyle/>
           <a:p>
             <a:r>
-              <a:rPr lang="en-US" sz="2400" b="1" u="sng" dirty="0" smtClean="0">
+              <a:rPr lang="en-US" sz="2400" b="1" u="sng" dirty="0">
                 <a:solidFill>
                   <a:srgbClr val="FF0000"/>
                 </a:solidFill>
               </a:rPr>
               <a:t>1 deg step response &amp; control action</a:t>
             </a:r>
-            <a:endParaRPr lang="en-US" sz="2400" b="1" u="sng" dirty="0">
-              <a:solidFill>
-                <a:srgbClr val="FF0000"/>
-              </a:solidFill>
-            </a:endParaRPr>
           </a:p>
         </p:txBody>
       </p:sp>
@@ -8318,13 +8205,6 @@
   <p:clrMapOvr>
     <a:masterClrMapping/>
   </p:clrMapOvr>
-  <p:timing>
-    <p:tnLst>
-      <p:par>
-        <p:cTn id="1" dur="indefinite" restart="never" nodeType="tmRoot"/>
-      </p:par>
-    </p:tnLst>
-  </p:timing>
 </p:sld>
 </file>
 
@@ -8395,13 +8275,13 @@
           <a:lstStyle/>
           <a:p>
             <a:r>
-              <a:rPr lang="en-US" b="1" dirty="0" smtClean="0">
+              <a:rPr lang="en-US" b="1" dirty="0">
                 <a:effectLst/>
               </a:rPr>
               <a:t>Attitude controller:</a:t>
             </a:r>
             <a:r>
-              <a:rPr lang="en-US" b="1" u="sng" dirty="0" smtClean="0">
+              <a:rPr lang="en-US" b="1" u="sng" dirty="0">
                 <a:effectLst/>
               </a:rPr>
               <a:t> Yaw Controller</a:t>
@@ -8433,18 +8313,13 @@
           <a:lstStyle/>
           <a:p>
             <a:r>
-              <a:rPr lang="en-US" sz="2400" b="1" u="sng" dirty="0" smtClean="0">
+              <a:rPr lang="en-US" sz="2400" b="1" u="sng" dirty="0">
                 <a:solidFill>
                   <a:srgbClr val="FF0000"/>
                 </a:solidFill>
               </a:rPr>
               <a:t>10 deg step response &amp; control action</a:t>
             </a:r>
-            <a:endParaRPr lang="en-US" sz="2400" b="1" u="sng" dirty="0">
-              <a:solidFill>
-                <a:srgbClr val="FF0000"/>
-              </a:solidFill>
-            </a:endParaRPr>
           </a:p>
         </p:txBody>
       </p:sp>
@@ -8497,13 +8372,6 @@
   <p:clrMapOvr>
     <a:masterClrMapping/>
   </p:clrMapOvr>
-  <p:timing>
-    <p:tnLst>
-      <p:par>
-        <p:cTn id="1" dur="indefinite" restart="never" nodeType="tmRoot"/>
-      </p:par>
-    </p:tnLst>
-  </p:timing>
 </p:sld>
 </file>
 
@@ -8762,7 +8630,7 @@
   <a:extraClrSchemeLst/>
   <a:extLst>
     <a:ext uri="{05A4C25C-085E-4340-85A3-A5531E510DB2}">
-      <thm15:themeFamily xmlns="" xmlns:thm15="http://schemas.microsoft.com/office/thememl/2012/main" name="Office Theme" id="{62F939B6-93AF-4DB8-9C6B-D6C7DFDC589F}" vid="{4A3C46E8-61CC-4603-A589-7422A47A8E4A}"/>
+      <thm15:themeFamily xmlns:thm15="http://schemas.microsoft.com/office/thememl/2012/main" name="Office Theme" id="{62F939B6-93AF-4DB8-9C6B-D6C7DFDC589F}" vid="{4A3C46E8-61CC-4603-A589-7422A47A8E4A}"/>
     </a:ext>
   </a:extLst>
 </a:theme>
